--- a/C1_JS_MEMO_LEAK/presentation.pptx
+++ b/C1_JS_MEMO_LEAK/presentation.pptx
@@ -5,16 +5,19 @@
     <p:sldMasterId id="2147483648" r:id="rId1"/>
   </p:sldMasterIdLst>
   <p:notesMasterIdLst>
-    <p:notesMasterId r:id="rId9"/>
+    <p:notesMasterId r:id="rId12"/>
   </p:notesMasterIdLst>
   <p:sldIdLst>
     <p:sldId id="256" r:id="rId2"/>
-    <p:sldId id="327" r:id="rId3"/>
-    <p:sldId id="326" r:id="rId4"/>
-    <p:sldId id="328" r:id="rId5"/>
-    <p:sldId id="330" r:id="rId6"/>
-    <p:sldId id="329" r:id="rId7"/>
-    <p:sldId id="275" r:id="rId8"/>
+    <p:sldId id="331" r:id="rId3"/>
+    <p:sldId id="332" r:id="rId4"/>
+    <p:sldId id="327" r:id="rId5"/>
+    <p:sldId id="326" r:id="rId6"/>
+    <p:sldId id="328" r:id="rId7"/>
+    <p:sldId id="330" r:id="rId8"/>
+    <p:sldId id="329" r:id="rId9"/>
+    <p:sldId id="333" r:id="rId10"/>
+    <p:sldId id="275" r:id="rId11"/>
   </p:sldIdLst>
   <p:sldSz cx="9144000" cy="6858000" type="screen4x3"/>
   <p:notesSz cx="6858000" cy="9144000"/>
@@ -615,7 +618,7 @@
           <a:p>
             <a:fld id="{71077955-89F1-4C1F-81B2-7E7DD696C0AB}" type="slidenum">
               <a:rPr lang="zh-CN" altLang="en-US" smtClean="0"/>
-              <a:t>7</a:t>
+              <a:t>10</a:t>
             </a:fld>
             <a:endParaRPr lang="zh-CN" altLang="en-US"/>
           </a:p>
@@ -3677,16 +3680,7 @@
                 </a:solidFill>
                 <a:latin typeface="Comic Sans MS" pitchFamily="66" charset="0"/>
               </a:rPr>
-              <a:t>Memory </a:t>
-            </a:r>
-            <a:r>
-              <a:rPr lang="en-US" altLang="zh-CN" dirty="0" smtClean="0">
-                <a:solidFill>
-                  <a:srgbClr val="FFC000"/>
-                </a:solidFill>
-                <a:latin typeface="Comic Sans MS" pitchFamily="66" charset="0"/>
-              </a:rPr>
-              <a:t>Leak </a:t>
+              <a:t>Memory Leak </a:t>
             </a:r>
             <a:r>
               <a:rPr lang="en-US" altLang="zh-CN" dirty="0" smtClean="0">
@@ -3695,16 +3689,7 @@
                 </a:solidFill>
                 <a:latin typeface="Comic Sans MS" pitchFamily="66" charset="0"/>
               </a:rPr>
-              <a:t>of </a:t>
-            </a:r>
-            <a:r>
-              <a:rPr lang="en-US" altLang="zh-CN" dirty="0" smtClean="0">
-                <a:solidFill>
-                  <a:schemeClr val="bg1"/>
-                </a:solidFill>
-                <a:latin typeface="Comic Sans MS" pitchFamily="66" charset="0"/>
-              </a:rPr>
-              <a:t>JavaScript</a:t>
+              <a:t>of JavaScript</a:t>
             </a:r>
             <a:r>
               <a:rPr lang="en-US" altLang="zh-CN" dirty="0">
@@ -4298,7 +4283,2931 @@
 </p:sld>
 </file>
 
+<file path=ppt/slides/slide10.xml><?xml version="1.0" encoding="utf-8"?>
+<p:sld xmlns:a="http://schemas.openxmlformats.org/drawingml/2006/main" xmlns:r="http://schemas.openxmlformats.org/officeDocument/2006/relationships" xmlns:p="http://schemas.openxmlformats.org/presentationml/2006/main">
+  <p:cSld>
+    <p:spTree>
+      <p:nvGrpSpPr>
+        <p:cNvPr id="1" name=""/>
+        <p:cNvGrpSpPr/>
+        <p:nvPr/>
+      </p:nvGrpSpPr>
+      <p:grpSpPr>
+        <a:xfrm>
+          <a:off x="0" y="0"/>
+          <a:ext cx="0" cy="0"/>
+          <a:chOff x="0" y="0"/>
+          <a:chExt cx="0" cy="0"/>
+        </a:xfrm>
+      </p:grpSpPr>
+      <p:sp>
+        <p:nvSpPr>
+          <p:cNvPr id="13" name="TextBox 12"/>
+          <p:cNvSpPr txBox="1"/>
+          <p:nvPr/>
+        </p:nvSpPr>
+        <p:spPr>
+          <a:xfrm>
+            <a:off x="3851921" y="3140968"/>
+            <a:ext cx="1296144" cy="461665"/>
+          </a:xfrm>
+          <a:prstGeom prst="rect">
+            <a:avLst/>
+          </a:prstGeom>
+          <a:noFill/>
+        </p:spPr>
+        <p:txBody>
+          <a:bodyPr wrap="square" rtlCol="0">
+            <a:spAutoFit/>
+          </a:bodyPr>
+          <a:lstStyle/>
+          <a:p>
+            <a:r>
+              <a:rPr lang="en-US" altLang="zh-CN" sz="2400" dirty="0" smtClean="0">
+                <a:solidFill>
+                  <a:schemeClr val="bg1"/>
+                </a:solidFill>
+              </a:rPr>
+              <a:t>Thank </a:t>
+            </a:r>
+            <a:r>
+              <a:rPr lang="en-US" altLang="zh-CN" sz="2400" dirty="0" smtClean="0">
+                <a:solidFill>
+                  <a:srgbClr val="FFC000"/>
+                </a:solidFill>
+              </a:rPr>
+              <a:t>U</a:t>
+            </a:r>
+            <a:endParaRPr lang="en-US" altLang="zh-CN" sz="2400" dirty="0">
+              <a:solidFill>
+                <a:srgbClr val="FFC000"/>
+              </a:solidFill>
+            </a:endParaRPr>
+          </a:p>
+        </p:txBody>
+      </p:sp>
+    </p:spTree>
+    <p:extLst>
+      <p:ext uri="{BB962C8B-B14F-4D97-AF65-F5344CB8AC3E}">
+        <p14:creationId xmlns:p14="http://schemas.microsoft.com/office/powerpoint/2010/main" val="272096594"/>
+      </p:ext>
+    </p:extLst>
+  </p:cSld>
+  <p:clrMapOvr>
+    <a:masterClrMapping/>
+  </p:clrMapOvr>
+  <p:timing>
+    <p:tnLst>
+      <p:par>
+        <p:cTn id="1" dur="indefinite" restart="never" nodeType="tmRoot"/>
+      </p:par>
+    </p:tnLst>
+  </p:timing>
+</p:sld>
+</file>
+
 <file path=ppt/slides/slide2.xml><?xml version="1.0" encoding="utf-8"?>
+<p:sld xmlns:a="http://schemas.openxmlformats.org/drawingml/2006/main" xmlns:r="http://schemas.openxmlformats.org/officeDocument/2006/relationships" xmlns:p="http://schemas.openxmlformats.org/presentationml/2006/main">
+  <p:cSld>
+    <p:spTree>
+      <p:nvGrpSpPr>
+        <p:cNvPr id="1" name=""/>
+        <p:cNvGrpSpPr/>
+        <p:nvPr/>
+      </p:nvGrpSpPr>
+      <p:grpSpPr>
+        <a:xfrm>
+          <a:off x="0" y="0"/>
+          <a:ext cx="0" cy="0"/>
+          <a:chOff x="0" y="0"/>
+          <a:chExt cx="0" cy="0"/>
+        </a:xfrm>
+      </p:grpSpPr>
+      <p:sp>
+        <p:nvSpPr>
+          <p:cNvPr id="4" name="标题 1"/>
+          <p:cNvSpPr txBox="1">
+            <a:spLocks/>
+          </p:cNvSpPr>
+          <p:nvPr/>
+        </p:nvSpPr>
+        <p:spPr>
+          <a:xfrm rot="20590802">
+            <a:off x="-2235486" y="590120"/>
+            <a:ext cx="8318212" cy="464397"/>
+          </a:xfrm>
+          <a:prstGeom prst="rect">
+            <a:avLst/>
+          </a:prstGeom>
+          <a:solidFill>
+            <a:schemeClr val="accent1"/>
+          </a:solidFill>
+        </p:spPr>
+        <p:txBody>
+          <a:bodyPr vert="horz" lIns="91440" tIns="45720" rIns="91440" bIns="45720" rtlCol="0" anchor="ctr">
+            <a:normAutofit fontScale="90000" lnSpcReduction="10000"/>
+          </a:bodyPr>
+          <a:lstStyle>
+            <a:lvl1pPr algn="ctr" defTabSz="914400" rtl="0" eaLnBrk="1" latinLnBrk="0" hangingPunct="1">
+              <a:spcBef>
+                <a:spcPct val="0"/>
+              </a:spcBef>
+              <a:buNone/>
+              <a:defRPr sz="4400" kern="1200">
+                <a:solidFill>
+                  <a:schemeClr val="tx1"/>
+                </a:solidFill>
+                <a:latin typeface="+mj-lt"/>
+                <a:ea typeface="+mj-ea"/>
+                <a:cs typeface="+mj-cs"/>
+              </a:defRPr>
+            </a:lvl1pPr>
+          </a:lstStyle>
+          <a:p>
+            <a:r>
+              <a:rPr lang="en-US" altLang="zh-CN" sz="3000" dirty="0" smtClean="0">
+                <a:solidFill>
+                  <a:schemeClr val="bg1"/>
+                </a:solidFill>
+                <a:latin typeface="Comic Sans MS" pitchFamily="66" charset="0"/>
+              </a:rPr>
+              <a:t>JavaScript and Host</a:t>
+            </a:r>
+            <a:endParaRPr lang="zh-CN" altLang="en-US" sz="3000" dirty="0">
+              <a:solidFill>
+                <a:schemeClr val="bg1"/>
+              </a:solidFill>
+              <a:latin typeface="Comic Sans MS" pitchFamily="66" charset="0"/>
+            </a:endParaRPr>
+          </a:p>
+        </p:txBody>
+      </p:sp>
+      <p:sp>
+        <p:nvSpPr>
+          <p:cNvPr id="5" name="椭圆 4"/>
+          <p:cNvSpPr/>
+          <p:nvPr/>
+        </p:nvSpPr>
+        <p:spPr>
+          <a:xfrm>
+            <a:off x="3527884" y="2413692"/>
+            <a:ext cx="2160240" cy="2160240"/>
+          </a:xfrm>
+          <a:prstGeom prst="ellipse">
+            <a:avLst/>
+          </a:prstGeom>
+        </p:spPr>
+        <p:style>
+          <a:lnRef idx="0">
+            <a:schemeClr val="accent2"/>
+          </a:lnRef>
+          <a:fillRef idx="3">
+            <a:schemeClr val="accent2"/>
+          </a:fillRef>
+          <a:effectRef idx="3">
+            <a:schemeClr val="accent2"/>
+          </a:effectRef>
+          <a:fontRef idx="minor">
+            <a:schemeClr val="lt1"/>
+          </a:fontRef>
+        </p:style>
+        <p:txBody>
+          <a:bodyPr rtlCol="0" anchor="ctr"/>
+          <a:lstStyle/>
+          <a:p>
+            <a:pPr algn="ctr"/>
+            <a:r>
+              <a:rPr lang="en-US" altLang="zh-CN" sz="3600" dirty="0" smtClean="0"/>
+              <a:t>Java</a:t>
+            </a:r>
+          </a:p>
+          <a:p>
+            <a:pPr algn="ctr"/>
+            <a:r>
+              <a:rPr lang="en-US" altLang="zh-CN" sz="3600" dirty="0" smtClean="0"/>
+              <a:t>Script</a:t>
+            </a:r>
+            <a:endParaRPr lang="zh-CN" altLang="en-US" sz="3600" dirty="0"/>
+          </a:p>
+        </p:txBody>
+      </p:sp>
+      <p:sp>
+        <p:nvSpPr>
+          <p:cNvPr id="6" name="矩形 5"/>
+          <p:cNvSpPr/>
+          <p:nvPr/>
+        </p:nvSpPr>
+        <p:spPr>
+          <a:xfrm>
+            <a:off x="2555776" y="1916832"/>
+            <a:ext cx="4104456" cy="3153960"/>
+          </a:xfrm>
+          <a:prstGeom prst="rect">
+            <a:avLst/>
+          </a:prstGeom>
+          <a:noFill/>
+          <a:ln>
+            <a:prstDash val="sysDash"/>
+          </a:ln>
+        </p:spPr>
+        <p:style>
+          <a:lnRef idx="2">
+            <a:schemeClr val="accent1"/>
+          </a:lnRef>
+          <a:fillRef idx="1">
+            <a:schemeClr val="lt1"/>
+          </a:fillRef>
+          <a:effectRef idx="0">
+            <a:schemeClr val="accent1"/>
+          </a:effectRef>
+          <a:fontRef idx="minor">
+            <a:schemeClr val="dk1"/>
+          </a:fontRef>
+        </p:style>
+        <p:txBody>
+          <a:bodyPr rtlCol="0" anchor="ctr"/>
+          <a:lstStyle/>
+          <a:p>
+            <a:pPr algn="ctr"/>
+            <a:endParaRPr lang="zh-CN" altLang="en-US"/>
+          </a:p>
+        </p:txBody>
+      </p:sp>
+      <p:sp>
+        <p:nvSpPr>
+          <p:cNvPr id="7" name="TextBox 6"/>
+          <p:cNvSpPr txBox="1"/>
+          <p:nvPr/>
+        </p:nvSpPr>
+        <p:spPr>
+          <a:xfrm>
+            <a:off x="4116138" y="1182524"/>
+            <a:ext cx="983731" cy="523220"/>
+          </a:xfrm>
+          <a:prstGeom prst="rect">
+            <a:avLst/>
+          </a:prstGeom>
+          <a:noFill/>
+        </p:spPr>
+        <p:txBody>
+          <a:bodyPr wrap="none" rtlCol="0">
+            <a:spAutoFit/>
+          </a:bodyPr>
+          <a:lstStyle/>
+          <a:p>
+            <a:r>
+              <a:rPr lang="en-US" altLang="zh-CN" sz="2800" dirty="0" smtClean="0">
+                <a:solidFill>
+                  <a:schemeClr val="bg1"/>
+                </a:solidFill>
+              </a:rPr>
+              <a:t>HOST</a:t>
+            </a:r>
+            <a:endParaRPr lang="zh-CN" altLang="en-US" sz="2800" dirty="0">
+              <a:solidFill>
+                <a:schemeClr val="bg1"/>
+              </a:solidFill>
+            </a:endParaRPr>
+          </a:p>
+        </p:txBody>
+      </p:sp>
+      <p:sp>
+        <p:nvSpPr>
+          <p:cNvPr id="8" name="椭圆 7"/>
+          <p:cNvSpPr/>
+          <p:nvPr/>
+        </p:nvSpPr>
+        <p:spPr>
+          <a:xfrm>
+            <a:off x="5940152" y="4293097"/>
+            <a:ext cx="1440159" cy="1440159"/>
+          </a:xfrm>
+          <a:prstGeom prst="ellipse">
+            <a:avLst/>
+          </a:prstGeom>
+        </p:spPr>
+        <p:style>
+          <a:lnRef idx="0">
+            <a:schemeClr val="accent1"/>
+          </a:lnRef>
+          <a:fillRef idx="3">
+            <a:schemeClr val="accent1"/>
+          </a:fillRef>
+          <a:effectRef idx="3">
+            <a:schemeClr val="accent1"/>
+          </a:effectRef>
+          <a:fontRef idx="minor">
+            <a:schemeClr val="lt1"/>
+          </a:fontRef>
+        </p:style>
+        <p:txBody>
+          <a:bodyPr rtlCol="0" anchor="ctr"/>
+          <a:lstStyle/>
+          <a:p>
+            <a:pPr algn="ctr"/>
+            <a:r>
+              <a:rPr lang="en-US" altLang="zh-CN" sz="2000" dirty="0" err="1" smtClean="0"/>
+              <a:t>WebKit</a:t>
+            </a:r>
+            <a:endParaRPr lang="zh-CN" altLang="en-US" sz="2000" dirty="0"/>
+          </a:p>
+        </p:txBody>
+      </p:sp>
+      <p:sp>
+        <p:nvSpPr>
+          <p:cNvPr id="9" name="椭圆 8"/>
+          <p:cNvSpPr/>
+          <p:nvPr/>
+        </p:nvSpPr>
+        <p:spPr>
+          <a:xfrm>
+            <a:off x="1835696" y="4350712"/>
+            <a:ext cx="1440160" cy="1440160"/>
+          </a:xfrm>
+          <a:prstGeom prst="ellipse">
+            <a:avLst/>
+          </a:prstGeom>
+        </p:spPr>
+        <p:style>
+          <a:lnRef idx="0">
+            <a:schemeClr val="accent1"/>
+          </a:lnRef>
+          <a:fillRef idx="3">
+            <a:schemeClr val="accent1"/>
+          </a:fillRef>
+          <a:effectRef idx="3">
+            <a:schemeClr val="accent1"/>
+          </a:effectRef>
+          <a:fontRef idx="minor">
+            <a:schemeClr val="lt1"/>
+          </a:fontRef>
+        </p:style>
+        <p:txBody>
+          <a:bodyPr rtlCol="0" anchor="ctr"/>
+          <a:lstStyle/>
+          <a:p>
+            <a:pPr algn="ctr"/>
+            <a:r>
+              <a:rPr lang="en-US" altLang="zh-CN" sz="2000" dirty="0" smtClean="0"/>
+              <a:t>NodeJS</a:t>
+            </a:r>
+            <a:endParaRPr lang="zh-CN" altLang="en-US" sz="2000" dirty="0"/>
+          </a:p>
+        </p:txBody>
+      </p:sp>
+      <p:sp>
+        <p:nvSpPr>
+          <p:cNvPr id="10" name="TextBox 9"/>
+          <p:cNvSpPr txBox="1"/>
+          <p:nvPr/>
+        </p:nvSpPr>
+        <p:spPr>
+          <a:xfrm>
+            <a:off x="7740352" y="4470627"/>
+            <a:ext cx="932371" cy="1200329"/>
+          </a:xfrm>
+          <a:prstGeom prst="rect">
+            <a:avLst/>
+          </a:prstGeom>
+          <a:noFill/>
+        </p:spPr>
+        <p:txBody>
+          <a:bodyPr wrap="none" rtlCol="0">
+            <a:spAutoFit/>
+          </a:bodyPr>
+          <a:lstStyle/>
+          <a:p>
+            <a:r>
+              <a:rPr lang="en-US" altLang="zh-CN" dirty="0" smtClean="0">
+                <a:solidFill>
+                  <a:schemeClr val="bg1"/>
+                </a:solidFill>
+              </a:rPr>
+              <a:t>DOM</a:t>
+            </a:r>
+          </a:p>
+          <a:p>
+            <a:r>
+              <a:rPr lang="en-US" altLang="zh-CN" dirty="0" smtClean="0">
+                <a:solidFill>
+                  <a:schemeClr val="bg1"/>
+                </a:solidFill>
+              </a:rPr>
+              <a:t>window</a:t>
+            </a:r>
+          </a:p>
+          <a:p>
+            <a:r>
+              <a:rPr lang="en-US" altLang="zh-CN" dirty="0" smtClean="0">
+                <a:solidFill>
+                  <a:schemeClr val="bg1"/>
+                </a:solidFill>
+              </a:rPr>
+              <a:t>cookie</a:t>
+            </a:r>
+          </a:p>
+          <a:p>
+            <a:r>
+              <a:rPr lang="en-US" altLang="zh-CN" dirty="0" smtClean="0">
+                <a:solidFill>
+                  <a:schemeClr val="bg1"/>
+                </a:solidFill>
+              </a:rPr>
+              <a:t>… …</a:t>
+            </a:r>
+            <a:endParaRPr lang="zh-CN" altLang="en-US" dirty="0">
+              <a:solidFill>
+                <a:schemeClr val="bg1"/>
+              </a:solidFill>
+            </a:endParaRPr>
+          </a:p>
+        </p:txBody>
+      </p:sp>
+      <p:sp>
+        <p:nvSpPr>
+          <p:cNvPr id="11" name="TextBox 10"/>
+          <p:cNvSpPr txBox="1"/>
+          <p:nvPr/>
+        </p:nvSpPr>
+        <p:spPr>
+          <a:xfrm>
+            <a:off x="611559" y="4539353"/>
+            <a:ext cx="1081515" cy="1200329"/>
+          </a:xfrm>
+          <a:prstGeom prst="rect">
+            <a:avLst/>
+          </a:prstGeom>
+          <a:noFill/>
+        </p:spPr>
+        <p:txBody>
+          <a:bodyPr wrap="none" rtlCol="0">
+            <a:spAutoFit/>
+          </a:bodyPr>
+          <a:lstStyle/>
+          <a:p>
+            <a:r>
+              <a:rPr lang="en-US" altLang="zh-CN" dirty="0" smtClean="0">
+                <a:solidFill>
+                  <a:schemeClr val="bg1"/>
+                </a:solidFill>
+              </a:rPr>
+              <a:t>File</a:t>
+            </a:r>
+          </a:p>
+          <a:p>
+            <a:r>
+              <a:rPr lang="en-US" altLang="zh-CN" dirty="0" smtClean="0">
+                <a:solidFill>
+                  <a:schemeClr val="bg1"/>
+                </a:solidFill>
+              </a:rPr>
+              <a:t>Request</a:t>
+            </a:r>
+          </a:p>
+          <a:p>
+            <a:r>
+              <a:rPr lang="en-US" altLang="zh-CN" dirty="0" smtClean="0">
+                <a:solidFill>
+                  <a:schemeClr val="bg1"/>
+                </a:solidFill>
+              </a:rPr>
+              <a:t>Response</a:t>
+            </a:r>
+          </a:p>
+          <a:p>
+            <a:r>
+              <a:rPr lang="en-US" altLang="zh-CN" dirty="0" smtClean="0">
+                <a:solidFill>
+                  <a:schemeClr val="bg1"/>
+                </a:solidFill>
+              </a:rPr>
+              <a:t>… …</a:t>
+            </a:r>
+            <a:endParaRPr lang="zh-CN" altLang="en-US" dirty="0">
+              <a:solidFill>
+                <a:schemeClr val="bg1"/>
+              </a:solidFill>
+            </a:endParaRPr>
+          </a:p>
+        </p:txBody>
+      </p:sp>
+    </p:spTree>
+    <p:extLst>
+      <p:ext uri="{BB962C8B-B14F-4D97-AF65-F5344CB8AC3E}">
+        <p14:creationId xmlns:p14="http://schemas.microsoft.com/office/powerpoint/2010/main" val="3856336387"/>
+      </p:ext>
+    </p:extLst>
+  </p:cSld>
+  <p:clrMapOvr>
+    <a:masterClrMapping/>
+  </p:clrMapOvr>
+  <p:timing>
+    <p:tnLst>
+      <p:par>
+        <p:cTn id="1" dur="indefinite" restart="never" nodeType="tmRoot">
+          <p:childTnLst>
+            <p:seq concurrent="1" nextAc="seek">
+              <p:cTn id="2" dur="indefinite" nodeType="mainSeq">
+                <p:childTnLst>
+                  <p:par>
+                    <p:cTn id="3" fill="hold">
+                      <p:stCondLst>
+                        <p:cond delay="indefinite"/>
+                        <p:cond evt="onBegin" delay="0">
+                          <p:tn val="2"/>
+                        </p:cond>
+                      </p:stCondLst>
+                      <p:childTnLst>
+                        <p:par>
+                          <p:cTn id="4" fill="hold">
+                            <p:stCondLst>
+                              <p:cond delay="0"/>
+                            </p:stCondLst>
+                            <p:childTnLst>
+                              <p:par>
+                                <p:cTn id="5" presetID="10" presetClass="entr" presetSubtype="0" fill="hold" grpId="0" nodeType="afterEffect">
+                                  <p:stCondLst>
+                                    <p:cond delay="0"/>
+                                  </p:stCondLst>
+                                  <p:childTnLst>
+                                    <p:set>
+                                      <p:cBhvr>
+                                        <p:cTn id="6" dur="1" fill="hold">
+                                          <p:stCondLst>
+                                            <p:cond delay="0"/>
+                                          </p:stCondLst>
+                                        </p:cTn>
+                                        <p:tgtEl>
+                                          <p:spTgt spid="5"/>
+                                        </p:tgtEl>
+                                        <p:attrNameLst>
+                                          <p:attrName>style.visibility</p:attrName>
+                                        </p:attrNameLst>
+                                      </p:cBhvr>
+                                      <p:to>
+                                        <p:strVal val="visible"/>
+                                      </p:to>
+                                    </p:set>
+                                    <p:animEffect transition="in" filter="fade">
+                                      <p:cBhvr>
+                                        <p:cTn id="7" dur="500"/>
+                                        <p:tgtEl>
+                                          <p:spTgt spid="5"/>
+                                        </p:tgtEl>
+                                      </p:cBhvr>
+                                    </p:animEffect>
+                                  </p:childTnLst>
+                                </p:cTn>
+                              </p:par>
+                            </p:childTnLst>
+                          </p:cTn>
+                        </p:par>
+                        <p:par>
+                          <p:cTn id="8" fill="hold">
+                            <p:stCondLst>
+                              <p:cond delay="500"/>
+                            </p:stCondLst>
+                            <p:childTnLst>
+                              <p:par>
+                                <p:cTn id="9" presetID="32" presetClass="emph" presetSubtype="0" fill="hold" grpId="1" nodeType="afterEffect">
+                                  <p:stCondLst>
+                                    <p:cond delay="0"/>
+                                  </p:stCondLst>
+                                  <p:childTnLst>
+                                    <p:animRot by="120000">
+                                      <p:cBhvr>
+                                        <p:cTn id="10" dur="100" fill="hold">
+                                          <p:stCondLst>
+                                            <p:cond delay="0"/>
+                                          </p:stCondLst>
+                                        </p:cTn>
+                                        <p:tgtEl>
+                                          <p:spTgt spid="5"/>
+                                        </p:tgtEl>
+                                        <p:attrNameLst>
+                                          <p:attrName>r</p:attrName>
+                                        </p:attrNameLst>
+                                      </p:cBhvr>
+                                    </p:animRot>
+                                    <p:animRot by="-240000">
+                                      <p:cBhvr>
+                                        <p:cTn id="11" dur="200" fill="hold">
+                                          <p:stCondLst>
+                                            <p:cond delay="200"/>
+                                          </p:stCondLst>
+                                        </p:cTn>
+                                        <p:tgtEl>
+                                          <p:spTgt spid="5"/>
+                                        </p:tgtEl>
+                                        <p:attrNameLst>
+                                          <p:attrName>r</p:attrName>
+                                        </p:attrNameLst>
+                                      </p:cBhvr>
+                                    </p:animRot>
+                                    <p:animRot by="240000">
+                                      <p:cBhvr>
+                                        <p:cTn id="12" dur="200" fill="hold">
+                                          <p:stCondLst>
+                                            <p:cond delay="400"/>
+                                          </p:stCondLst>
+                                        </p:cTn>
+                                        <p:tgtEl>
+                                          <p:spTgt spid="5"/>
+                                        </p:tgtEl>
+                                        <p:attrNameLst>
+                                          <p:attrName>r</p:attrName>
+                                        </p:attrNameLst>
+                                      </p:cBhvr>
+                                    </p:animRot>
+                                    <p:animRot by="-240000">
+                                      <p:cBhvr>
+                                        <p:cTn id="13" dur="200" fill="hold">
+                                          <p:stCondLst>
+                                            <p:cond delay="600"/>
+                                          </p:stCondLst>
+                                        </p:cTn>
+                                        <p:tgtEl>
+                                          <p:spTgt spid="5"/>
+                                        </p:tgtEl>
+                                        <p:attrNameLst>
+                                          <p:attrName>r</p:attrName>
+                                        </p:attrNameLst>
+                                      </p:cBhvr>
+                                    </p:animRot>
+                                    <p:animRot by="120000">
+                                      <p:cBhvr>
+                                        <p:cTn id="14" dur="200" fill="hold">
+                                          <p:stCondLst>
+                                            <p:cond delay="800"/>
+                                          </p:stCondLst>
+                                        </p:cTn>
+                                        <p:tgtEl>
+                                          <p:spTgt spid="5"/>
+                                        </p:tgtEl>
+                                        <p:attrNameLst>
+                                          <p:attrName>r</p:attrName>
+                                        </p:attrNameLst>
+                                      </p:cBhvr>
+                                    </p:animRot>
+                                  </p:childTnLst>
+                                </p:cTn>
+                              </p:par>
+                            </p:childTnLst>
+                          </p:cTn>
+                        </p:par>
+                      </p:childTnLst>
+                    </p:cTn>
+                  </p:par>
+                  <p:par>
+                    <p:cTn id="15" fill="hold">
+                      <p:stCondLst>
+                        <p:cond delay="indefinite"/>
+                      </p:stCondLst>
+                      <p:childTnLst>
+                        <p:par>
+                          <p:cTn id="16" fill="hold">
+                            <p:stCondLst>
+                              <p:cond delay="0"/>
+                            </p:stCondLst>
+                            <p:childTnLst>
+                              <p:par>
+                                <p:cTn id="17" presetID="10" presetClass="entr" presetSubtype="0" fill="hold" grpId="0" nodeType="clickEffect">
+                                  <p:stCondLst>
+                                    <p:cond delay="0"/>
+                                  </p:stCondLst>
+                                  <p:childTnLst>
+                                    <p:set>
+                                      <p:cBhvr>
+                                        <p:cTn id="18" dur="1" fill="hold">
+                                          <p:stCondLst>
+                                            <p:cond delay="0"/>
+                                          </p:stCondLst>
+                                        </p:cTn>
+                                        <p:tgtEl>
+                                          <p:spTgt spid="6"/>
+                                        </p:tgtEl>
+                                        <p:attrNameLst>
+                                          <p:attrName>style.visibility</p:attrName>
+                                        </p:attrNameLst>
+                                      </p:cBhvr>
+                                      <p:to>
+                                        <p:strVal val="visible"/>
+                                      </p:to>
+                                    </p:set>
+                                    <p:animEffect transition="in" filter="fade">
+                                      <p:cBhvr>
+                                        <p:cTn id="19" dur="500"/>
+                                        <p:tgtEl>
+                                          <p:spTgt spid="6"/>
+                                        </p:tgtEl>
+                                      </p:cBhvr>
+                                    </p:animEffect>
+                                  </p:childTnLst>
+                                </p:cTn>
+                              </p:par>
+                            </p:childTnLst>
+                          </p:cTn>
+                        </p:par>
+                        <p:par>
+                          <p:cTn id="20" fill="hold">
+                            <p:stCondLst>
+                              <p:cond delay="500"/>
+                            </p:stCondLst>
+                            <p:childTnLst>
+                              <p:par>
+                                <p:cTn id="21" presetID="26" presetClass="emph" presetSubtype="0" fill="hold" grpId="1" nodeType="afterEffect">
+                                  <p:stCondLst>
+                                    <p:cond delay="0"/>
+                                  </p:stCondLst>
+                                  <p:childTnLst>
+                                    <p:animEffect transition="out" filter="fade">
+                                      <p:cBhvr>
+                                        <p:cTn id="22" dur="500" tmFilter="0, 0; .2, .5; .8, .5; 1, 0"/>
+                                        <p:tgtEl>
+                                          <p:spTgt spid="6"/>
+                                        </p:tgtEl>
+                                      </p:cBhvr>
+                                    </p:animEffect>
+                                    <p:animScale>
+                                      <p:cBhvr>
+                                        <p:cTn id="23" dur="250" autoRev="1" fill="hold"/>
+                                        <p:tgtEl>
+                                          <p:spTgt spid="6"/>
+                                        </p:tgtEl>
+                                      </p:cBhvr>
+                                      <p:by x="105000" y="105000"/>
+                                    </p:animScale>
+                                  </p:childTnLst>
+                                </p:cTn>
+                              </p:par>
+                            </p:childTnLst>
+                          </p:cTn>
+                        </p:par>
+                        <p:par>
+                          <p:cTn id="24" fill="hold">
+                            <p:stCondLst>
+                              <p:cond delay="1000"/>
+                            </p:stCondLst>
+                            <p:childTnLst>
+                              <p:par>
+                                <p:cTn id="25" presetID="10" presetClass="entr" presetSubtype="0" fill="hold" grpId="0" nodeType="afterEffect">
+                                  <p:stCondLst>
+                                    <p:cond delay="0"/>
+                                  </p:stCondLst>
+                                  <p:childTnLst>
+                                    <p:set>
+                                      <p:cBhvr>
+                                        <p:cTn id="26" dur="1" fill="hold">
+                                          <p:stCondLst>
+                                            <p:cond delay="0"/>
+                                          </p:stCondLst>
+                                        </p:cTn>
+                                        <p:tgtEl>
+                                          <p:spTgt spid="7"/>
+                                        </p:tgtEl>
+                                        <p:attrNameLst>
+                                          <p:attrName>style.visibility</p:attrName>
+                                        </p:attrNameLst>
+                                      </p:cBhvr>
+                                      <p:to>
+                                        <p:strVal val="visible"/>
+                                      </p:to>
+                                    </p:set>
+                                    <p:animEffect transition="in" filter="fade">
+                                      <p:cBhvr>
+                                        <p:cTn id="27" dur="500"/>
+                                        <p:tgtEl>
+                                          <p:spTgt spid="7"/>
+                                        </p:tgtEl>
+                                      </p:cBhvr>
+                                    </p:animEffect>
+                                  </p:childTnLst>
+                                </p:cTn>
+                              </p:par>
+                            </p:childTnLst>
+                          </p:cTn>
+                        </p:par>
+                      </p:childTnLst>
+                    </p:cTn>
+                  </p:par>
+                  <p:par>
+                    <p:cTn id="28" fill="hold">
+                      <p:stCondLst>
+                        <p:cond delay="indefinite"/>
+                      </p:stCondLst>
+                      <p:childTnLst>
+                        <p:par>
+                          <p:cTn id="29" fill="hold">
+                            <p:stCondLst>
+                              <p:cond delay="0"/>
+                            </p:stCondLst>
+                            <p:childTnLst>
+                              <p:par>
+                                <p:cTn id="30" presetID="10" presetClass="entr" presetSubtype="0" fill="hold" grpId="0" nodeType="clickEffect">
+                                  <p:stCondLst>
+                                    <p:cond delay="0"/>
+                                  </p:stCondLst>
+                                  <p:childTnLst>
+                                    <p:set>
+                                      <p:cBhvr>
+                                        <p:cTn id="31" dur="1" fill="hold">
+                                          <p:stCondLst>
+                                            <p:cond delay="0"/>
+                                          </p:stCondLst>
+                                        </p:cTn>
+                                        <p:tgtEl>
+                                          <p:spTgt spid="8"/>
+                                        </p:tgtEl>
+                                        <p:attrNameLst>
+                                          <p:attrName>style.visibility</p:attrName>
+                                        </p:attrNameLst>
+                                      </p:cBhvr>
+                                      <p:to>
+                                        <p:strVal val="visible"/>
+                                      </p:to>
+                                    </p:set>
+                                    <p:animEffect transition="in" filter="fade">
+                                      <p:cBhvr>
+                                        <p:cTn id="32" dur="500"/>
+                                        <p:tgtEl>
+                                          <p:spTgt spid="8"/>
+                                        </p:tgtEl>
+                                      </p:cBhvr>
+                                    </p:animEffect>
+                                  </p:childTnLst>
+                                </p:cTn>
+                              </p:par>
+                            </p:childTnLst>
+                          </p:cTn>
+                        </p:par>
+                        <p:par>
+                          <p:cTn id="33" fill="hold">
+                            <p:stCondLst>
+                              <p:cond delay="500"/>
+                            </p:stCondLst>
+                            <p:childTnLst>
+                              <p:par>
+                                <p:cTn id="34" presetID="32" presetClass="emph" presetSubtype="0" fill="hold" grpId="1" nodeType="afterEffect">
+                                  <p:stCondLst>
+                                    <p:cond delay="0"/>
+                                  </p:stCondLst>
+                                  <p:childTnLst>
+                                    <p:animRot by="120000">
+                                      <p:cBhvr>
+                                        <p:cTn id="35" dur="100" fill="hold">
+                                          <p:stCondLst>
+                                            <p:cond delay="0"/>
+                                          </p:stCondLst>
+                                        </p:cTn>
+                                        <p:tgtEl>
+                                          <p:spTgt spid="8"/>
+                                        </p:tgtEl>
+                                        <p:attrNameLst>
+                                          <p:attrName>r</p:attrName>
+                                        </p:attrNameLst>
+                                      </p:cBhvr>
+                                    </p:animRot>
+                                    <p:animRot by="-240000">
+                                      <p:cBhvr>
+                                        <p:cTn id="36" dur="200" fill="hold">
+                                          <p:stCondLst>
+                                            <p:cond delay="200"/>
+                                          </p:stCondLst>
+                                        </p:cTn>
+                                        <p:tgtEl>
+                                          <p:spTgt spid="8"/>
+                                        </p:tgtEl>
+                                        <p:attrNameLst>
+                                          <p:attrName>r</p:attrName>
+                                        </p:attrNameLst>
+                                      </p:cBhvr>
+                                    </p:animRot>
+                                    <p:animRot by="240000">
+                                      <p:cBhvr>
+                                        <p:cTn id="37" dur="200" fill="hold">
+                                          <p:stCondLst>
+                                            <p:cond delay="400"/>
+                                          </p:stCondLst>
+                                        </p:cTn>
+                                        <p:tgtEl>
+                                          <p:spTgt spid="8"/>
+                                        </p:tgtEl>
+                                        <p:attrNameLst>
+                                          <p:attrName>r</p:attrName>
+                                        </p:attrNameLst>
+                                      </p:cBhvr>
+                                    </p:animRot>
+                                    <p:animRot by="-240000">
+                                      <p:cBhvr>
+                                        <p:cTn id="38" dur="200" fill="hold">
+                                          <p:stCondLst>
+                                            <p:cond delay="600"/>
+                                          </p:stCondLst>
+                                        </p:cTn>
+                                        <p:tgtEl>
+                                          <p:spTgt spid="8"/>
+                                        </p:tgtEl>
+                                        <p:attrNameLst>
+                                          <p:attrName>r</p:attrName>
+                                        </p:attrNameLst>
+                                      </p:cBhvr>
+                                    </p:animRot>
+                                    <p:animRot by="120000">
+                                      <p:cBhvr>
+                                        <p:cTn id="39" dur="200" fill="hold">
+                                          <p:stCondLst>
+                                            <p:cond delay="800"/>
+                                          </p:stCondLst>
+                                        </p:cTn>
+                                        <p:tgtEl>
+                                          <p:spTgt spid="8"/>
+                                        </p:tgtEl>
+                                        <p:attrNameLst>
+                                          <p:attrName>r</p:attrName>
+                                        </p:attrNameLst>
+                                      </p:cBhvr>
+                                    </p:animRot>
+                                  </p:childTnLst>
+                                </p:cTn>
+                              </p:par>
+                              <p:par>
+                                <p:cTn id="40" presetID="42" presetClass="entr" presetSubtype="0" fill="hold" grpId="0" nodeType="withEffect">
+                                  <p:stCondLst>
+                                    <p:cond delay="0"/>
+                                  </p:stCondLst>
+                                  <p:childTnLst>
+                                    <p:set>
+                                      <p:cBhvr>
+                                        <p:cTn id="41" dur="1" fill="hold">
+                                          <p:stCondLst>
+                                            <p:cond delay="0"/>
+                                          </p:stCondLst>
+                                        </p:cTn>
+                                        <p:tgtEl>
+                                          <p:spTgt spid="10"/>
+                                        </p:tgtEl>
+                                        <p:attrNameLst>
+                                          <p:attrName>style.visibility</p:attrName>
+                                        </p:attrNameLst>
+                                      </p:cBhvr>
+                                      <p:to>
+                                        <p:strVal val="visible"/>
+                                      </p:to>
+                                    </p:set>
+                                    <p:animEffect transition="in" filter="fade">
+                                      <p:cBhvr>
+                                        <p:cTn id="42" dur="1000"/>
+                                        <p:tgtEl>
+                                          <p:spTgt spid="10"/>
+                                        </p:tgtEl>
+                                      </p:cBhvr>
+                                    </p:animEffect>
+                                    <p:anim calcmode="lin" valueType="num">
+                                      <p:cBhvr>
+                                        <p:cTn id="43" dur="1000" fill="hold"/>
+                                        <p:tgtEl>
+                                          <p:spTgt spid="10"/>
+                                        </p:tgtEl>
+                                        <p:attrNameLst>
+                                          <p:attrName>ppt_x</p:attrName>
+                                        </p:attrNameLst>
+                                      </p:cBhvr>
+                                      <p:tavLst>
+                                        <p:tav tm="0">
+                                          <p:val>
+                                            <p:strVal val="#ppt_x"/>
+                                          </p:val>
+                                        </p:tav>
+                                        <p:tav tm="100000">
+                                          <p:val>
+                                            <p:strVal val="#ppt_x"/>
+                                          </p:val>
+                                        </p:tav>
+                                      </p:tavLst>
+                                    </p:anim>
+                                    <p:anim calcmode="lin" valueType="num">
+                                      <p:cBhvr>
+                                        <p:cTn id="44" dur="1000" fill="hold"/>
+                                        <p:tgtEl>
+                                          <p:spTgt spid="10"/>
+                                        </p:tgtEl>
+                                        <p:attrNameLst>
+                                          <p:attrName>ppt_y</p:attrName>
+                                        </p:attrNameLst>
+                                      </p:cBhvr>
+                                      <p:tavLst>
+                                        <p:tav tm="0">
+                                          <p:val>
+                                            <p:strVal val="#ppt_y+.1"/>
+                                          </p:val>
+                                        </p:tav>
+                                        <p:tav tm="100000">
+                                          <p:val>
+                                            <p:strVal val="#ppt_y"/>
+                                          </p:val>
+                                        </p:tav>
+                                      </p:tavLst>
+                                    </p:anim>
+                                  </p:childTnLst>
+                                </p:cTn>
+                              </p:par>
+                            </p:childTnLst>
+                          </p:cTn>
+                        </p:par>
+                      </p:childTnLst>
+                    </p:cTn>
+                  </p:par>
+                  <p:par>
+                    <p:cTn id="45" fill="hold">
+                      <p:stCondLst>
+                        <p:cond delay="indefinite"/>
+                      </p:stCondLst>
+                      <p:childTnLst>
+                        <p:par>
+                          <p:cTn id="46" fill="hold">
+                            <p:stCondLst>
+                              <p:cond delay="0"/>
+                            </p:stCondLst>
+                            <p:childTnLst>
+                              <p:par>
+                                <p:cTn id="47" presetID="10" presetClass="entr" presetSubtype="0" fill="hold" grpId="0" nodeType="clickEffect">
+                                  <p:stCondLst>
+                                    <p:cond delay="0"/>
+                                  </p:stCondLst>
+                                  <p:childTnLst>
+                                    <p:set>
+                                      <p:cBhvr>
+                                        <p:cTn id="48" dur="1" fill="hold">
+                                          <p:stCondLst>
+                                            <p:cond delay="0"/>
+                                          </p:stCondLst>
+                                        </p:cTn>
+                                        <p:tgtEl>
+                                          <p:spTgt spid="9"/>
+                                        </p:tgtEl>
+                                        <p:attrNameLst>
+                                          <p:attrName>style.visibility</p:attrName>
+                                        </p:attrNameLst>
+                                      </p:cBhvr>
+                                      <p:to>
+                                        <p:strVal val="visible"/>
+                                      </p:to>
+                                    </p:set>
+                                    <p:animEffect transition="in" filter="fade">
+                                      <p:cBhvr>
+                                        <p:cTn id="49" dur="500"/>
+                                        <p:tgtEl>
+                                          <p:spTgt spid="9"/>
+                                        </p:tgtEl>
+                                      </p:cBhvr>
+                                    </p:animEffect>
+                                  </p:childTnLst>
+                                </p:cTn>
+                              </p:par>
+                            </p:childTnLst>
+                          </p:cTn>
+                        </p:par>
+                        <p:par>
+                          <p:cTn id="50" fill="hold">
+                            <p:stCondLst>
+                              <p:cond delay="500"/>
+                            </p:stCondLst>
+                            <p:childTnLst>
+                              <p:par>
+                                <p:cTn id="51" presetID="32" presetClass="emph" presetSubtype="0" fill="hold" grpId="1" nodeType="afterEffect">
+                                  <p:stCondLst>
+                                    <p:cond delay="0"/>
+                                  </p:stCondLst>
+                                  <p:childTnLst>
+                                    <p:animRot by="120000">
+                                      <p:cBhvr>
+                                        <p:cTn id="52" dur="100" fill="hold">
+                                          <p:stCondLst>
+                                            <p:cond delay="0"/>
+                                          </p:stCondLst>
+                                        </p:cTn>
+                                        <p:tgtEl>
+                                          <p:spTgt spid="9"/>
+                                        </p:tgtEl>
+                                        <p:attrNameLst>
+                                          <p:attrName>r</p:attrName>
+                                        </p:attrNameLst>
+                                      </p:cBhvr>
+                                    </p:animRot>
+                                    <p:animRot by="-240000">
+                                      <p:cBhvr>
+                                        <p:cTn id="53" dur="200" fill="hold">
+                                          <p:stCondLst>
+                                            <p:cond delay="200"/>
+                                          </p:stCondLst>
+                                        </p:cTn>
+                                        <p:tgtEl>
+                                          <p:spTgt spid="9"/>
+                                        </p:tgtEl>
+                                        <p:attrNameLst>
+                                          <p:attrName>r</p:attrName>
+                                        </p:attrNameLst>
+                                      </p:cBhvr>
+                                    </p:animRot>
+                                    <p:animRot by="240000">
+                                      <p:cBhvr>
+                                        <p:cTn id="54" dur="200" fill="hold">
+                                          <p:stCondLst>
+                                            <p:cond delay="400"/>
+                                          </p:stCondLst>
+                                        </p:cTn>
+                                        <p:tgtEl>
+                                          <p:spTgt spid="9"/>
+                                        </p:tgtEl>
+                                        <p:attrNameLst>
+                                          <p:attrName>r</p:attrName>
+                                        </p:attrNameLst>
+                                      </p:cBhvr>
+                                    </p:animRot>
+                                    <p:animRot by="-240000">
+                                      <p:cBhvr>
+                                        <p:cTn id="55" dur="200" fill="hold">
+                                          <p:stCondLst>
+                                            <p:cond delay="600"/>
+                                          </p:stCondLst>
+                                        </p:cTn>
+                                        <p:tgtEl>
+                                          <p:spTgt spid="9"/>
+                                        </p:tgtEl>
+                                        <p:attrNameLst>
+                                          <p:attrName>r</p:attrName>
+                                        </p:attrNameLst>
+                                      </p:cBhvr>
+                                    </p:animRot>
+                                    <p:animRot by="120000">
+                                      <p:cBhvr>
+                                        <p:cTn id="56" dur="200" fill="hold">
+                                          <p:stCondLst>
+                                            <p:cond delay="800"/>
+                                          </p:stCondLst>
+                                        </p:cTn>
+                                        <p:tgtEl>
+                                          <p:spTgt spid="9"/>
+                                        </p:tgtEl>
+                                        <p:attrNameLst>
+                                          <p:attrName>r</p:attrName>
+                                        </p:attrNameLst>
+                                      </p:cBhvr>
+                                    </p:animRot>
+                                  </p:childTnLst>
+                                </p:cTn>
+                              </p:par>
+                            </p:childTnLst>
+                          </p:cTn>
+                        </p:par>
+                        <p:par>
+                          <p:cTn id="57" fill="hold">
+                            <p:stCondLst>
+                              <p:cond delay="1500"/>
+                            </p:stCondLst>
+                            <p:childTnLst>
+                              <p:par>
+                                <p:cTn id="58" presetID="42" presetClass="entr" presetSubtype="0" fill="hold" grpId="0" nodeType="afterEffect">
+                                  <p:stCondLst>
+                                    <p:cond delay="0"/>
+                                  </p:stCondLst>
+                                  <p:childTnLst>
+                                    <p:set>
+                                      <p:cBhvr>
+                                        <p:cTn id="59" dur="1" fill="hold">
+                                          <p:stCondLst>
+                                            <p:cond delay="0"/>
+                                          </p:stCondLst>
+                                        </p:cTn>
+                                        <p:tgtEl>
+                                          <p:spTgt spid="11"/>
+                                        </p:tgtEl>
+                                        <p:attrNameLst>
+                                          <p:attrName>style.visibility</p:attrName>
+                                        </p:attrNameLst>
+                                      </p:cBhvr>
+                                      <p:to>
+                                        <p:strVal val="visible"/>
+                                      </p:to>
+                                    </p:set>
+                                    <p:animEffect transition="in" filter="fade">
+                                      <p:cBhvr>
+                                        <p:cTn id="60" dur="1000"/>
+                                        <p:tgtEl>
+                                          <p:spTgt spid="11"/>
+                                        </p:tgtEl>
+                                      </p:cBhvr>
+                                    </p:animEffect>
+                                    <p:anim calcmode="lin" valueType="num">
+                                      <p:cBhvr>
+                                        <p:cTn id="61" dur="1000" fill="hold"/>
+                                        <p:tgtEl>
+                                          <p:spTgt spid="11"/>
+                                        </p:tgtEl>
+                                        <p:attrNameLst>
+                                          <p:attrName>ppt_x</p:attrName>
+                                        </p:attrNameLst>
+                                      </p:cBhvr>
+                                      <p:tavLst>
+                                        <p:tav tm="0">
+                                          <p:val>
+                                            <p:strVal val="#ppt_x"/>
+                                          </p:val>
+                                        </p:tav>
+                                        <p:tav tm="100000">
+                                          <p:val>
+                                            <p:strVal val="#ppt_x"/>
+                                          </p:val>
+                                        </p:tav>
+                                      </p:tavLst>
+                                    </p:anim>
+                                    <p:anim calcmode="lin" valueType="num">
+                                      <p:cBhvr>
+                                        <p:cTn id="62" dur="1000" fill="hold"/>
+                                        <p:tgtEl>
+                                          <p:spTgt spid="11"/>
+                                        </p:tgtEl>
+                                        <p:attrNameLst>
+                                          <p:attrName>ppt_y</p:attrName>
+                                        </p:attrNameLst>
+                                      </p:cBhvr>
+                                      <p:tavLst>
+                                        <p:tav tm="0">
+                                          <p:val>
+                                            <p:strVal val="#ppt_y+.1"/>
+                                          </p:val>
+                                        </p:tav>
+                                        <p:tav tm="100000">
+                                          <p:val>
+                                            <p:strVal val="#ppt_y"/>
+                                          </p:val>
+                                        </p:tav>
+                                      </p:tavLst>
+                                    </p:anim>
+                                  </p:childTnLst>
+                                </p:cTn>
+                              </p:par>
+                            </p:childTnLst>
+                          </p:cTn>
+                        </p:par>
+                      </p:childTnLst>
+                    </p:cTn>
+                  </p:par>
+                </p:childTnLst>
+              </p:cTn>
+              <p:prevCondLst>
+                <p:cond evt="onPrev" delay="0">
+                  <p:tgtEl>
+                    <p:sldTgt/>
+                  </p:tgtEl>
+                </p:cond>
+              </p:prevCondLst>
+              <p:nextCondLst>
+                <p:cond evt="onNext" delay="0">
+                  <p:tgtEl>
+                    <p:sldTgt/>
+                  </p:tgtEl>
+                </p:cond>
+              </p:nextCondLst>
+            </p:seq>
+          </p:childTnLst>
+        </p:cTn>
+      </p:par>
+    </p:tnLst>
+    <p:bldLst>
+      <p:bldP spid="5" grpId="0" animBg="1"/>
+      <p:bldP spid="5" grpId="1" animBg="1"/>
+      <p:bldP spid="6" grpId="0" animBg="1"/>
+      <p:bldP spid="6" grpId="1" animBg="1"/>
+      <p:bldP spid="7" grpId="0"/>
+      <p:bldP spid="8" grpId="0" animBg="1"/>
+      <p:bldP spid="8" grpId="1" animBg="1"/>
+      <p:bldP spid="9" grpId="0" animBg="1"/>
+      <p:bldP spid="9" grpId="1" animBg="1"/>
+      <p:bldP spid="10" grpId="0"/>
+      <p:bldP spid="11" grpId="0"/>
+    </p:bldLst>
+  </p:timing>
+</p:sld>
+</file>
+
+<file path=ppt/slides/slide3.xml><?xml version="1.0" encoding="utf-8"?>
+<p:sld xmlns:a="http://schemas.openxmlformats.org/drawingml/2006/main" xmlns:r="http://schemas.openxmlformats.org/officeDocument/2006/relationships" xmlns:p="http://schemas.openxmlformats.org/presentationml/2006/main">
+  <p:cSld>
+    <p:spTree>
+      <p:nvGrpSpPr>
+        <p:cNvPr id="1" name=""/>
+        <p:cNvGrpSpPr/>
+        <p:nvPr/>
+      </p:nvGrpSpPr>
+      <p:grpSpPr>
+        <a:xfrm>
+          <a:off x="0" y="0"/>
+          <a:ext cx="0" cy="0"/>
+          <a:chOff x="0" y="0"/>
+          <a:chExt cx="0" cy="0"/>
+        </a:xfrm>
+      </p:grpSpPr>
+      <p:sp>
+        <p:nvSpPr>
+          <p:cNvPr id="4" name="标题 1"/>
+          <p:cNvSpPr txBox="1">
+            <a:spLocks/>
+          </p:cNvSpPr>
+          <p:nvPr/>
+        </p:nvSpPr>
+        <p:spPr>
+          <a:xfrm rot="20590802">
+            <a:off x="-2467426" y="412137"/>
+            <a:ext cx="8318212" cy="464397"/>
+          </a:xfrm>
+          <a:prstGeom prst="rect">
+            <a:avLst/>
+          </a:prstGeom>
+          <a:solidFill>
+            <a:schemeClr val="accent1"/>
+          </a:solidFill>
+        </p:spPr>
+        <p:txBody>
+          <a:bodyPr vert="horz" lIns="91440" tIns="45720" rIns="91440" bIns="45720" rtlCol="0" anchor="ctr">
+            <a:normAutofit fontScale="90000" lnSpcReduction="10000"/>
+          </a:bodyPr>
+          <a:lstStyle>
+            <a:lvl1pPr algn="ctr" defTabSz="914400" rtl="0" eaLnBrk="1" latinLnBrk="0" hangingPunct="1">
+              <a:spcBef>
+                <a:spcPct val="0"/>
+              </a:spcBef>
+              <a:buNone/>
+              <a:defRPr sz="4400" kern="1200">
+                <a:solidFill>
+                  <a:schemeClr val="tx1"/>
+                </a:solidFill>
+                <a:latin typeface="+mj-lt"/>
+                <a:ea typeface="+mj-ea"/>
+                <a:cs typeface="+mj-cs"/>
+              </a:defRPr>
+            </a:lvl1pPr>
+          </a:lstStyle>
+          <a:p>
+            <a:r>
+              <a:rPr lang="en-US" altLang="zh-CN" sz="3000" dirty="0" smtClean="0">
+                <a:solidFill>
+                  <a:schemeClr val="bg1"/>
+                </a:solidFill>
+                <a:latin typeface="Comic Sans MS" pitchFamily="66" charset="0"/>
+              </a:rPr>
+              <a:t>Circle Reference</a:t>
+            </a:r>
+            <a:endParaRPr lang="zh-CN" altLang="en-US" sz="3000" dirty="0">
+              <a:solidFill>
+                <a:schemeClr val="bg1"/>
+              </a:solidFill>
+              <a:latin typeface="Comic Sans MS" pitchFamily="66" charset="0"/>
+            </a:endParaRPr>
+          </a:p>
+        </p:txBody>
+      </p:sp>
+      <p:sp>
+        <p:nvSpPr>
+          <p:cNvPr id="5" name="椭圆 4"/>
+          <p:cNvSpPr/>
+          <p:nvPr/>
+        </p:nvSpPr>
+        <p:spPr>
+          <a:xfrm>
+            <a:off x="1691680" y="2809714"/>
+            <a:ext cx="2160240" cy="2160240"/>
+          </a:xfrm>
+          <a:prstGeom prst="ellipse">
+            <a:avLst/>
+          </a:prstGeom>
+        </p:spPr>
+        <p:style>
+          <a:lnRef idx="0">
+            <a:schemeClr val="accent3"/>
+          </a:lnRef>
+          <a:fillRef idx="3">
+            <a:schemeClr val="accent3"/>
+          </a:fillRef>
+          <a:effectRef idx="3">
+            <a:schemeClr val="accent3"/>
+          </a:effectRef>
+          <a:fontRef idx="minor">
+            <a:schemeClr val="lt1"/>
+          </a:fontRef>
+        </p:style>
+        <p:txBody>
+          <a:bodyPr rtlCol="0" anchor="ctr"/>
+          <a:lstStyle/>
+          <a:p>
+            <a:pPr algn="ctr"/>
+            <a:r>
+              <a:rPr lang="en-US" altLang="zh-CN" sz="3600" dirty="0" smtClean="0"/>
+              <a:t>Object1</a:t>
+            </a:r>
+            <a:endParaRPr lang="zh-CN" altLang="en-US" sz="3600" dirty="0"/>
+          </a:p>
+        </p:txBody>
+      </p:sp>
+      <p:sp>
+        <p:nvSpPr>
+          <p:cNvPr id="6" name="椭圆 5"/>
+          <p:cNvSpPr/>
+          <p:nvPr/>
+        </p:nvSpPr>
+        <p:spPr>
+          <a:xfrm>
+            <a:off x="5724128" y="2809714"/>
+            <a:ext cx="2160240" cy="2160240"/>
+          </a:xfrm>
+          <a:prstGeom prst="ellipse">
+            <a:avLst/>
+          </a:prstGeom>
+        </p:spPr>
+        <p:style>
+          <a:lnRef idx="0">
+            <a:schemeClr val="accent6"/>
+          </a:lnRef>
+          <a:fillRef idx="3">
+            <a:schemeClr val="accent6"/>
+          </a:fillRef>
+          <a:effectRef idx="3">
+            <a:schemeClr val="accent6"/>
+          </a:effectRef>
+          <a:fontRef idx="minor">
+            <a:schemeClr val="lt1"/>
+          </a:fontRef>
+        </p:style>
+        <p:txBody>
+          <a:bodyPr rtlCol="0" anchor="ctr"/>
+          <a:lstStyle/>
+          <a:p>
+            <a:pPr algn="ctr"/>
+            <a:r>
+              <a:rPr lang="en-US" altLang="zh-CN" sz="3600" dirty="0" smtClean="0"/>
+              <a:t>Object2</a:t>
+            </a:r>
+            <a:endParaRPr lang="zh-CN" altLang="en-US" sz="3600" dirty="0"/>
+          </a:p>
+        </p:txBody>
+      </p:sp>
+      <p:sp>
+        <p:nvSpPr>
+          <p:cNvPr id="9" name="上弧形箭头 8"/>
+          <p:cNvSpPr/>
+          <p:nvPr/>
+        </p:nvSpPr>
+        <p:spPr>
+          <a:xfrm>
+            <a:off x="2801586" y="1657586"/>
+            <a:ext cx="4002662" cy="979325"/>
+          </a:xfrm>
+          <a:prstGeom prst="curvedDownArrow">
+            <a:avLst/>
+          </a:prstGeom>
+        </p:spPr>
+        <p:style>
+          <a:lnRef idx="0">
+            <a:schemeClr val="accent4"/>
+          </a:lnRef>
+          <a:fillRef idx="3">
+            <a:schemeClr val="accent4"/>
+          </a:fillRef>
+          <a:effectRef idx="3">
+            <a:schemeClr val="accent4"/>
+          </a:effectRef>
+          <a:fontRef idx="minor">
+            <a:schemeClr val="lt1"/>
+          </a:fontRef>
+        </p:style>
+        <p:txBody>
+          <a:bodyPr rtlCol="0" anchor="ctr"/>
+          <a:lstStyle/>
+          <a:p>
+            <a:pPr algn="ctr"/>
+            <a:endParaRPr lang="zh-CN" altLang="en-US">
+              <a:solidFill>
+                <a:schemeClr val="tx1"/>
+              </a:solidFill>
+            </a:endParaRPr>
+          </a:p>
+        </p:txBody>
+      </p:sp>
+      <p:sp>
+        <p:nvSpPr>
+          <p:cNvPr id="10" name="上弧形箭头 9"/>
+          <p:cNvSpPr/>
+          <p:nvPr/>
+        </p:nvSpPr>
+        <p:spPr>
+          <a:xfrm rot="10800000">
+            <a:off x="2801586" y="5185978"/>
+            <a:ext cx="4002662" cy="979325"/>
+          </a:xfrm>
+          <a:prstGeom prst="curvedDownArrow">
+            <a:avLst/>
+          </a:prstGeom>
+        </p:spPr>
+        <p:style>
+          <a:lnRef idx="0">
+            <a:schemeClr val="accent4"/>
+          </a:lnRef>
+          <a:fillRef idx="3">
+            <a:schemeClr val="accent4"/>
+          </a:fillRef>
+          <a:effectRef idx="3">
+            <a:schemeClr val="accent4"/>
+          </a:effectRef>
+          <a:fontRef idx="minor">
+            <a:schemeClr val="lt1"/>
+          </a:fontRef>
+        </p:style>
+        <p:txBody>
+          <a:bodyPr rtlCol="0" anchor="ctr"/>
+          <a:lstStyle/>
+          <a:p>
+            <a:pPr algn="ctr"/>
+            <a:endParaRPr lang="zh-CN" altLang="en-US">
+              <a:solidFill>
+                <a:schemeClr val="tx1"/>
+              </a:solidFill>
+            </a:endParaRPr>
+          </a:p>
+        </p:txBody>
+      </p:sp>
+      <p:sp>
+        <p:nvSpPr>
+          <p:cNvPr id="11" name="矩形 10"/>
+          <p:cNvSpPr/>
+          <p:nvPr/>
+        </p:nvSpPr>
+        <p:spPr>
+          <a:xfrm>
+            <a:off x="1259632" y="1412776"/>
+            <a:ext cx="6984776" cy="5040560"/>
+          </a:xfrm>
+          <a:prstGeom prst="rect">
+            <a:avLst/>
+          </a:prstGeom>
+          <a:noFill/>
+          <a:ln>
+            <a:prstDash val="sysDash"/>
+          </a:ln>
+        </p:spPr>
+        <p:style>
+          <a:lnRef idx="2">
+            <a:schemeClr val="accent1"/>
+          </a:lnRef>
+          <a:fillRef idx="1">
+            <a:schemeClr val="lt1"/>
+          </a:fillRef>
+          <a:effectRef idx="0">
+            <a:schemeClr val="accent1"/>
+          </a:effectRef>
+          <a:fontRef idx="minor">
+            <a:schemeClr val="dk1"/>
+          </a:fontRef>
+        </p:style>
+        <p:txBody>
+          <a:bodyPr rtlCol="0" anchor="ctr"/>
+          <a:lstStyle/>
+          <a:p>
+            <a:pPr algn="ctr"/>
+            <a:endParaRPr lang="zh-CN" altLang="en-US"/>
+          </a:p>
+        </p:txBody>
+      </p:sp>
+      <p:sp>
+        <p:nvSpPr>
+          <p:cNvPr id="2" name="TextBox 1"/>
+          <p:cNvSpPr txBox="1"/>
+          <p:nvPr/>
+        </p:nvSpPr>
+        <p:spPr>
+          <a:xfrm>
+            <a:off x="5802457" y="29190"/>
+            <a:ext cx="2441951" cy="1200329"/>
+          </a:xfrm>
+          <a:prstGeom prst="rect">
+            <a:avLst/>
+          </a:prstGeom>
+          <a:noFill/>
+        </p:spPr>
+        <p:txBody>
+          <a:bodyPr wrap="none" rtlCol="0">
+            <a:spAutoFit/>
+          </a:bodyPr>
+          <a:lstStyle/>
+          <a:p>
+            <a:r>
+              <a:rPr lang="en-US" altLang="zh-CN" dirty="0" smtClean="0">
+                <a:solidFill>
+                  <a:srgbClr val="00B0F0"/>
+                </a:solidFill>
+              </a:rPr>
+              <a:t>var</a:t>
+            </a:r>
+            <a:r>
+              <a:rPr lang="en-US" altLang="zh-CN" dirty="0" smtClean="0">
+                <a:solidFill>
+                  <a:schemeClr val="bg1"/>
+                </a:solidFill>
+              </a:rPr>
+              <a:t> obj1 = </a:t>
+            </a:r>
+            <a:r>
+              <a:rPr lang="en-US" altLang="zh-CN" dirty="0" smtClean="0">
+                <a:solidFill>
+                  <a:srgbClr val="00B0F0"/>
+                </a:solidFill>
+              </a:rPr>
+              <a:t>new</a:t>
+            </a:r>
+            <a:r>
+              <a:rPr lang="en-US" altLang="zh-CN" dirty="0" smtClean="0">
+                <a:solidFill>
+                  <a:schemeClr val="bg1"/>
+                </a:solidFill>
+              </a:rPr>
+              <a:t> Object();</a:t>
+            </a:r>
+          </a:p>
+          <a:p>
+            <a:r>
+              <a:rPr lang="en-US" altLang="zh-CN" dirty="0" smtClean="0">
+                <a:solidFill>
+                  <a:srgbClr val="00B0F0"/>
+                </a:solidFill>
+              </a:rPr>
+              <a:t>var</a:t>
+            </a:r>
+            <a:r>
+              <a:rPr lang="en-US" altLang="zh-CN" dirty="0" smtClean="0">
+                <a:solidFill>
+                  <a:schemeClr val="bg1"/>
+                </a:solidFill>
+              </a:rPr>
+              <a:t> obj2 = </a:t>
+            </a:r>
+            <a:r>
+              <a:rPr lang="en-US" altLang="zh-CN" dirty="0" smtClean="0">
+                <a:solidFill>
+                  <a:srgbClr val="00B0F0"/>
+                </a:solidFill>
+              </a:rPr>
+              <a:t>new</a:t>
+            </a:r>
+            <a:r>
+              <a:rPr lang="en-US" altLang="zh-CN" dirty="0" smtClean="0">
+                <a:solidFill>
+                  <a:schemeClr val="bg1"/>
+                </a:solidFill>
+              </a:rPr>
+              <a:t> Object();</a:t>
+            </a:r>
+          </a:p>
+          <a:p>
+            <a:r>
+              <a:rPr lang="en-US" altLang="zh-CN" dirty="0" smtClean="0">
+                <a:solidFill>
+                  <a:schemeClr val="bg1"/>
+                </a:solidFill>
+              </a:rPr>
+              <a:t>obj1.ref = obj2;</a:t>
+            </a:r>
+          </a:p>
+          <a:p>
+            <a:r>
+              <a:rPr lang="en-US" altLang="zh-CN" dirty="0" smtClean="0">
+                <a:solidFill>
+                  <a:schemeClr val="bg1"/>
+                </a:solidFill>
+              </a:rPr>
+              <a:t>obj2.ref = obj1;</a:t>
+            </a:r>
+            <a:endParaRPr lang="zh-CN" altLang="en-US" dirty="0">
+              <a:solidFill>
+                <a:schemeClr val="bg1"/>
+              </a:solidFill>
+            </a:endParaRPr>
+          </a:p>
+        </p:txBody>
+      </p:sp>
+      <p:sp>
+        <p:nvSpPr>
+          <p:cNvPr id="19" name="TextBox 18"/>
+          <p:cNvSpPr txBox="1"/>
+          <p:nvPr/>
+        </p:nvSpPr>
+        <p:spPr>
+          <a:xfrm>
+            <a:off x="4135505" y="321169"/>
+            <a:ext cx="1233030" cy="646331"/>
+          </a:xfrm>
+          <a:prstGeom prst="rect">
+            <a:avLst/>
+          </a:prstGeom>
+          <a:noFill/>
+        </p:spPr>
+        <p:txBody>
+          <a:bodyPr wrap="none" rtlCol="0">
+            <a:spAutoFit/>
+          </a:bodyPr>
+          <a:lstStyle/>
+          <a:p>
+            <a:r>
+              <a:rPr lang="en-US" altLang="zh-CN" dirty="0" smtClean="0">
+                <a:solidFill>
+                  <a:schemeClr val="bg1"/>
+                </a:solidFill>
+              </a:rPr>
+              <a:t>obj1 = </a:t>
+            </a:r>
+            <a:r>
+              <a:rPr lang="en-US" altLang="zh-CN" dirty="0" smtClean="0">
+                <a:solidFill>
+                  <a:srgbClr val="00B0F0"/>
+                </a:solidFill>
+              </a:rPr>
+              <a:t>null</a:t>
+            </a:r>
+            <a:r>
+              <a:rPr lang="en-US" altLang="zh-CN" dirty="0" smtClean="0">
+                <a:solidFill>
+                  <a:schemeClr val="bg1"/>
+                </a:solidFill>
+              </a:rPr>
+              <a:t>;</a:t>
+            </a:r>
+          </a:p>
+          <a:p>
+            <a:r>
+              <a:rPr lang="en-US" altLang="zh-CN" dirty="0" smtClean="0">
+                <a:solidFill>
+                  <a:schemeClr val="bg1"/>
+                </a:solidFill>
+              </a:rPr>
+              <a:t>obj2 = </a:t>
+            </a:r>
+            <a:r>
+              <a:rPr lang="en-US" altLang="zh-CN" dirty="0" smtClean="0">
+                <a:solidFill>
+                  <a:srgbClr val="00B0F0"/>
+                </a:solidFill>
+              </a:rPr>
+              <a:t>null</a:t>
+            </a:r>
+            <a:r>
+              <a:rPr lang="en-US" altLang="zh-CN" dirty="0" smtClean="0">
+                <a:solidFill>
+                  <a:schemeClr val="bg1"/>
+                </a:solidFill>
+              </a:rPr>
+              <a:t>;</a:t>
+            </a:r>
+            <a:endParaRPr lang="zh-CN" altLang="en-US" dirty="0">
+              <a:solidFill>
+                <a:schemeClr val="bg1"/>
+              </a:solidFill>
+            </a:endParaRPr>
+          </a:p>
+        </p:txBody>
+      </p:sp>
+      <p:cxnSp>
+        <p:nvCxnSpPr>
+          <p:cNvPr id="7" name="直接连接符 6"/>
+          <p:cNvCxnSpPr/>
+          <p:nvPr/>
+        </p:nvCxnSpPr>
+        <p:spPr>
+          <a:xfrm>
+            <a:off x="1259632" y="2996952"/>
+            <a:ext cx="6984776" cy="1973002"/>
+          </a:xfrm>
+          <a:prstGeom prst="line">
+            <a:avLst/>
+          </a:prstGeom>
+        </p:spPr>
+        <p:style>
+          <a:lnRef idx="3">
+            <a:schemeClr val="accent2"/>
+          </a:lnRef>
+          <a:fillRef idx="0">
+            <a:schemeClr val="accent2"/>
+          </a:fillRef>
+          <a:effectRef idx="2">
+            <a:schemeClr val="accent2"/>
+          </a:effectRef>
+          <a:fontRef idx="minor">
+            <a:schemeClr val="tx1"/>
+          </a:fontRef>
+        </p:style>
+      </p:cxnSp>
+      <p:cxnSp>
+        <p:nvCxnSpPr>
+          <p:cNvPr id="21" name="直接连接符 20"/>
+          <p:cNvCxnSpPr/>
+          <p:nvPr/>
+        </p:nvCxnSpPr>
+        <p:spPr>
+          <a:xfrm flipV="1">
+            <a:off x="1259632" y="2636912"/>
+            <a:ext cx="6984776" cy="2160240"/>
+          </a:xfrm>
+          <a:prstGeom prst="line">
+            <a:avLst/>
+          </a:prstGeom>
+        </p:spPr>
+        <p:style>
+          <a:lnRef idx="3">
+            <a:schemeClr val="accent2"/>
+          </a:lnRef>
+          <a:fillRef idx="0">
+            <a:schemeClr val="accent2"/>
+          </a:fillRef>
+          <a:effectRef idx="2">
+            <a:schemeClr val="accent2"/>
+          </a:effectRef>
+          <a:fontRef idx="minor">
+            <a:schemeClr val="tx1"/>
+          </a:fontRef>
+        </p:style>
+      </p:cxnSp>
+    </p:spTree>
+    <p:extLst>
+      <p:ext uri="{BB962C8B-B14F-4D97-AF65-F5344CB8AC3E}">
+        <p14:creationId xmlns:p14="http://schemas.microsoft.com/office/powerpoint/2010/main" val="1796595501"/>
+      </p:ext>
+    </p:extLst>
+  </p:cSld>
+  <p:clrMapOvr>
+    <a:masterClrMapping/>
+  </p:clrMapOvr>
+  <p:timing>
+    <p:tnLst>
+      <p:par>
+        <p:cTn id="1" dur="indefinite" restart="never" nodeType="tmRoot">
+          <p:childTnLst>
+            <p:seq concurrent="1" nextAc="seek">
+              <p:cTn id="2" dur="indefinite" nodeType="mainSeq">
+                <p:childTnLst>
+                  <p:par>
+                    <p:cTn id="3" fill="hold">
+                      <p:stCondLst>
+                        <p:cond delay="indefinite"/>
+                        <p:cond evt="onBegin" delay="0">
+                          <p:tn val="2"/>
+                        </p:cond>
+                      </p:stCondLst>
+                      <p:childTnLst>
+                        <p:par>
+                          <p:cTn id="4" fill="hold">
+                            <p:stCondLst>
+                              <p:cond delay="0"/>
+                            </p:stCondLst>
+                            <p:childTnLst>
+                              <p:par>
+                                <p:cTn id="5" presetID="10" presetClass="entr" presetSubtype="0" fill="hold" grpId="0" nodeType="afterEffect">
+                                  <p:stCondLst>
+                                    <p:cond delay="0"/>
+                                  </p:stCondLst>
+                                  <p:childTnLst>
+                                    <p:set>
+                                      <p:cBhvr>
+                                        <p:cTn id="6" dur="1" fill="hold">
+                                          <p:stCondLst>
+                                            <p:cond delay="0"/>
+                                          </p:stCondLst>
+                                        </p:cTn>
+                                        <p:tgtEl>
+                                          <p:spTgt spid="2"/>
+                                        </p:tgtEl>
+                                        <p:attrNameLst>
+                                          <p:attrName>style.visibility</p:attrName>
+                                        </p:attrNameLst>
+                                      </p:cBhvr>
+                                      <p:to>
+                                        <p:strVal val="visible"/>
+                                      </p:to>
+                                    </p:set>
+                                    <p:animEffect transition="in" filter="fade">
+                                      <p:cBhvr>
+                                        <p:cTn id="7" dur="500"/>
+                                        <p:tgtEl>
+                                          <p:spTgt spid="2"/>
+                                        </p:tgtEl>
+                                      </p:cBhvr>
+                                    </p:animEffect>
+                                  </p:childTnLst>
+                                </p:cTn>
+                              </p:par>
+                            </p:childTnLst>
+                          </p:cTn>
+                        </p:par>
+                      </p:childTnLst>
+                    </p:cTn>
+                  </p:par>
+                  <p:par>
+                    <p:cTn id="8" fill="hold">
+                      <p:stCondLst>
+                        <p:cond delay="indefinite"/>
+                      </p:stCondLst>
+                      <p:childTnLst>
+                        <p:par>
+                          <p:cTn id="9" fill="hold">
+                            <p:stCondLst>
+                              <p:cond delay="0"/>
+                            </p:stCondLst>
+                            <p:childTnLst>
+                              <p:par>
+                                <p:cTn id="10" presetID="10" presetClass="entr" presetSubtype="0" fill="hold" grpId="0" nodeType="clickEffect">
+                                  <p:stCondLst>
+                                    <p:cond delay="0"/>
+                                  </p:stCondLst>
+                                  <p:childTnLst>
+                                    <p:set>
+                                      <p:cBhvr>
+                                        <p:cTn id="11" dur="1" fill="hold">
+                                          <p:stCondLst>
+                                            <p:cond delay="0"/>
+                                          </p:stCondLst>
+                                        </p:cTn>
+                                        <p:tgtEl>
+                                          <p:spTgt spid="19"/>
+                                        </p:tgtEl>
+                                        <p:attrNameLst>
+                                          <p:attrName>style.visibility</p:attrName>
+                                        </p:attrNameLst>
+                                      </p:cBhvr>
+                                      <p:to>
+                                        <p:strVal val="visible"/>
+                                      </p:to>
+                                    </p:set>
+                                    <p:animEffect transition="in" filter="fade">
+                                      <p:cBhvr>
+                                        <p:cTn id="12" dur="500"/>
+                                        <p:tgtEl>
+                                          <p:spTgt spid="19"/>
+                                        </p:tgtEl>
+                                      </p:cBhvr>
+                                    </p:animEffect>
+                                  </p:childTnLst>
+                                </p:cTn>
+                              </p:par>
+                            </p:childTnLst>
+                          </p:cTn>
+                        </p:par>
+                      </p:childTnLst>
+                    </p:cTn>
+                  </p:par>
+                  <p:par>
+                    <p:cTn id="13" fill="hold">
+                      <p:stCondLst>
+                        <p:cond delay="indefinite"/>
+                      </p:stCondLst>
+                      <p:childTnLst>
+                        <p:par>
+                          <p:cTn id="14" fill="hold">
+                            <p:stCondLst>
+                              <p:cond delay="0"/>
+                            </p:stCondLst>
+                            <p:childTnLst>
+                              <p:par>
+                                <p:cTn id="15" presetID="10" presetClass="entr" presetSubtype="0" fill="hold" grpId="0" nodeType="clickEffect">
+                                  <p:stCondLst>
+                                    <p:cond delay="0"/>
+                                  </p:stCondLst>
+                                  <p:childTnLst>
+                                    <p:set>
+                                      <p:cBhvr>
+                                        <p:cTn id="16" dur="1" fill="hold">
+                                          <p:stCondLst>
+                                            <p:cond delay="0"/>
+                                          </p:stCondLst>
+                                        </p:cTn>
+                                        <p:tgtEl>
+                                          <p:spTgt spid="11"/>
+                                        </p:tgtEl>
+                                        <p:attrNameLst>
+                                          <p:attrName>style.visibility</p:attrName>
+                                        </p:attrNameLst>
+                                      </p:cBhvr>
+                                      <p:to>
+                                        <p:strVal val="visible"/>
+                                      </p:to>
+                                    </p:set>
+                                    <p:animEffect transition="in" filter="fade">
+                                      <p:cBhvr>
+                                        <p:cTn id="17" dur="500"/>
+                                        <p:tgtEl>
+                                          <p:spTgt spid="11"/>
+                                        </p:tgtEl>
+                                      </p:cBhvr>
+                                    </p:animEffect>
+                                  </p:childTnLst>
+                                </p:cTn>
+                              </p:par>
+                            </p:childTnLst>
+                          </p:cTn>
+                        </p:par>
+                        <p:par>
+                          <p:cTn id="18" fill="hold">
+                            <p:stCondLst>
+                              <p:cond delay="500"/>
+                            </p:stCondLst>
+                            <p:childTnLst>
+                              <p:par>
+                                <p:cTn id="19" presetID="10" presetClass="entr" presetSubtype="0" fill="hold" grpId="0" nodeType="afterEffect">
+                                  <p:stCondLst>
+                                    <p:cond delay="0"/>
+                                  </p:stCondLst>
+                                  <p:childTnLst>
+                                    <p:set>
+                                      <p:cBhvr>
+                                        <p:cTn id="20" dur="1" fill="hold">
+                                          <p:stCondLst>
+                                            <p:cond delay="0"/>
+                                          </p:stCondLst>
+                                        </p:cTn>
+                                        <p:tgtEl>
+                                          <p:spTgt spid="5"/>
+                                        </p:tgtEl>
+                                        <p:attrNameLst>
+                                          <p:attrName>style.visibility</p:attrName>
+                                        </p:attrNameLst>
+                                      </p:cBhvr>
+                                      <p:to>
+                                        <p:strVal val="visible"/>
+                                      </p:to>
+                                    </p:set>
+                                    <p:animEffect transition="in" filter="fade">
+                                      <p:cBhvr>
+                                        <p:cTn id="21" dur="500"/>
+                                        <p:tgtEl>
+                                          <p:spTgt spid="5"/>
+                                        </p:tgtEl>
+                                      </p:cBhvr>
+                                    </p:animEffect>
+                                  </p:childTnLst>
+                                </p:cTn>
+                              </p:par>
+                            </p:childTnLst>
+                          </p:cTn>
+                        </p:par>
+                        <p:par>
+                          <p:cTn id="22" fill="hold">
+                            <p:stCondLst>
+                              <p:cond delay="1000"/>
+                            </p:stCondLst>
+                            <p:childTnLst>
+                              <p:par>
+                                <p:cTn id="23" presetID="10" presetClass="entr" presetSubtype="0" fill="hold" grpId="0" nodeType="afterEffect">
+                                  <p:stCondLst>
+                                    <p:cond delay="0"/>
+                                  </p:stCondLst>
+                                  <p:childTnLst>
+                                    <p:set>
+                                      <p:cBhvr>
+                                        <p:cTn id="24" dur="1" fill="hold">
+                                          <p:stCondLst>
+                                            <p:cond delay="0"/>
+                                          </p:stCondLst>
+                                        </p:cTn>
+                                        <p:tgtEl>
+                                          <p:spTgt spid="6"/>
+                                        </p:tgtEl>
+                                        <p:attrNameLst>
+                                          <p:attrName>style.visibility</p:attrName>
+                                        </p:attrNameLst>
+                                      </p:cBhvr>
+                                      <p:to>
+                                        <p:strVal val="visible"/>
+                                      </p:to>
+                                    </p:set>
+                                    <p:animEffect transition="in" filter="fade">
+                                      <p:cBhvr>
+                                        <p:cTn id="25" dur="500"/>
+                                        <p:tgtEl>
+                                          <p:spTgt spid="6"/>
+                                        </p:tgtEl>
+                                      </p:cBhvr>
+                                    </p:animEffect>
+                                  </p:childTnLst>
+                                </p:cTn>
+                              </p:par>
+                            </p:childTnLst>
+                          </p:cTn>
+                        </p:par>
+                        <p:par>
+                          <p:cTn id="26" fill="hold">
+                            <p:stCondLst>
+                              <p:cond delay="1500"/>
+                            </p:stCondLst>
+                            <p:childTnLst>
+                              <p:par>
+                                <p:cTn id="27" presetID="32" presetClass="emph" presetSubtype="0" fill="hold" grpId="1" nodeType="afterEffect">
+                                  <p:stCondLst>
+                                    <p:cond delay="0"/>
+                                  </p:stCondLst>
+                                  <p:childTnLst>
+                                    <p:animRot by="120000">
+                                      <p:cBhvr>
+                                        <p:cTn id="28" dur="100" fill="hold">
+                                          <p:stCondLst>
+                                            <p:cond delay="0"/>
+                                          </p:stCondLst>
+                                        </p:cTn>
+                                        <p:tgtEl>
+                                          <p:spTgt spid="5"/>
+                                        </p:tgtEl>
+                                        <p:attrNameLst>
+                                          <p:attrName>r</p:attrName>
+                                        </p:attrNameLst>
+                                      </p:cBhvr>
+                                    </p:animRot>
+                                    <p:animRot by="-240000">
+                                      <p:cBhvr>
+                                        <p:cTn id="29" dur="200" fill="hold">
+                                          <p:stCondLst>
+                                            <p:cond delay="200"/>
+                                          </p:stCondLst>
+                                        </p:cTn>
+                                        <p:tgtEl>
+                                          <p:spTgt spid="5"/>
+                                        </p:tgtEl>
+                                        <p:attrNameLst>
+                                          <p:attrName>r</p:attrName>
+                                        </p:attrNameLst>
+                                      </p:cBhvr>
+                                    </p:animRot>
+                                    <p:animRot by="240000">
+                                      <p:cBhvr>
+                                        <p:cTn id="30" dur="200" fill="hold">
+                                          <p:stCondLst>
+                                            <p:cond delay="400"/>
+                                          </p:stCondLst>
+                                        </p:cTn>
+                                        <p:tgtEl>
+                                          <p:spTgt spid="5"/>
+                                        </p:tgtEl>
+                                        <p:attrNameLst>
+                                          <p:attrName>r</p:attrName>
+                                        </p:attrNameLst>
+                                      </p:cBhvr>
+                                    </p:animRot>
+                                    <p:animRot by="-240000">
+                                      <p:cBhvr>
+                                        <p:cTn id="31" dur="200" fill="hold">
+                                          <p:stCondLst>
+                                            <p:cond delay="600"/>
+                                          </p:stCondLst>
+                                        </p:cTn>
+                                        <p:tgtEl>
+                                          <p:spTgt spid="5"/>
+                                        </p:tgtEl>
+                                        <p:attrNameLst>
+                                          <p:attrName>r</p:attrName>
+                                        </p:attrNameLst>
+                                      </p:cBhvr>
+                                    </p:animRot>
+                                    <p:animRot by="120000">
+                                      <p:cBhvr>
+                                        <p:cTn id="32" dur="200" fill="hold">
+                                          <p:stCondLst>
+                                            <p:cond delay="800"/>
+                                          </p:stCondLst>
+                                        </p:cTn>
+                                        <p:tgtEl>
+                                          <p:spTgt spid="5"/>
+                                        </p:tgtEl>
+                                        <p:attrNameLst>
+                                          <p:attrName>r</p:attrName>
+                                        </p:attrNameLst>
+                                      </p:cBhvr>
+                                    </p:animRot>
+                                  </p:childTnLst>
+                                </p:cTn>
+                              </p:par>
+                            </p:childTnLst>
+                          </p:cTn>
+                        </p:par>
+                        <p:par>
+                          <p:cTn id="33" fill="hold">
+                            <p:stCondLst>
+                              <p:cond delay="2500"/>
+                            </p:stCondLst>
+                            <p:childTnLst>
+                              <p:par>
+                                <p:cTn id="34" presetID="32" presetClass="emph" presetSubtype="0" fill="hold" grpId="1" nodeType="afterEffect">
+                                  <p:stCondLst>
+                                    <p:cond delay="0"/>
+                                  </p:stCondLst>
+                                  <p:childTnLst>
+                                    <p:animRot by="120000">
+                                      <p:cBhvr>
+                                        <p:cTn id="35" dur="100" fill="hold">
+                                          <p:stCondLst>
+                                            <p:cond delay="0"/>
+                                          </p:stCondLst>
+                                        </p:cTn>
+                                        <p:tgtEl>
+                                          <p:spTgt spid="6"/>
+                                        </p:tgtEl>
+                                        <p:attrNameLst>
+                                          <p:attrName>r</p:attrName>
+                                        </p:attrNameLst>
+                                      </p:cBhvr>
+                                    </p:animRot>
+                                    <p:animRot by="-240000">
+                                      <p:cBhvr>
+                                        <p:cTn id="36" dur="200" fill="hold">
+                                          <p:stCondLst>
+                                            <p:cond delay="200"/>
+                                          </p:stCondLst>
+                                        </p:cTn>
+                                        <p:tgtEl>
+                                          <p:spTgt spid="6"/>
+                                        </p:tgtEl>
+                                        <p:attrNameLst>
+                                          <p:attrName>r</p:attrName>
+                                        </p:attrNameLst>
+                                      </p:cBhvr>
+                                    </p:animRot>
+                                    <p:animRot by="240000">
+                                      <p:cBhvr>
+                                        <p:cTn id="37" dur="200" fill="hold">
+                                          <p:stCondLst>
+                                            <p:cond delay="400"/>
+                                          </p:stCondLst>
+                                        </p:cTn>
+                                        <p:tgtEl>
+                                          <p:spTgt spid="6"/>
+                                        </p:tgtEl>
+                                        <p:attrNameLst>
+                                          <p:attrName>r</p:attrName>
+                                        </p:attrNameLst>
+                                      </p:cBhvr>
+                                    </p:animRot>
+                                    <p:animRot by="-240000">
+                                      <p:cBhvr>
+                                        <p:cTn id="38" dur="200" fill="hold">
+                                          <p:stCondLst>
+                                            <p:cond delay="600"/>
+                                          </p:stCondLst>
+                                        </p:cTn>
+                                        <p:tgtEl>
+                                          <p:spTgt spid="6"/>
+                                        </p:tgtEl>
+                                        <p:attrNameLst>
+                                          <p:attrName>r</p:attrName>
+                                        </p:attrNameLst>
+                                      </p:cBhvr>
+                                    </p:animRot>
+                                    <p:animRot by="120000">
+                                      <p:cBhvr>
+                                        <p:cTn id="39" dur="200" fill="hold">
+                                          <p:stCondLst>
+                                            <p:cond delay="800"/>
+                                          </p:stCondLst>
+                                        </p:cTn>
+                                        <p:tgtEl>
+                                          <p:spTgt spid="6"/>
+                                        </p:tgtEl>
+                                        <p:attrNameLst>
+                                          <p:attrName>r</p:attrName>
+                                        </p:attrNameLst>
+                                      </p:cBhvr>
+                                    </p:animRot>
+                                  </p:childTnLst>
+                                </p:cTn>
+                              </p:par>
+                            </p:childTnLst>
+                          </p:cTn>
+                        </p:par>
+                      </p:childTnLst>
+                    </p:cTn>
+                  </p:par>
+                  <p:par>
+                    <p:cTn id="40" fill="hold">
+                      <p:stCondLst>
+                        <p:cond delay="indefinite"/>
+                      </p:stCondLst>
+                      <p:childTnLst>
+                        <p:par>
+                          <p:cTn id="41" fill="hold">
+                            <p:stCondLst>
+                              <p:cond delay="0"/>
+                            </p:stCondLst>
+                            <p:childTnLst>
+                              <p:par>
+                                <p:cTn id="42" presetID="26" presetClass="emph" presetSubtype="0" fill="hold" grpId="2" nodeType="clickEffect">
+                                  <p:stCondLst>
+                                    <p:cond delay="0"/>
+                                  </p:stCondLst>
+                                  <p:childTnLst>
+                                    <p:animEffect transition="out" filter="fade">
+                                      <p:cBhvr>
+                                        <p:cTn id="43" dur="500" tmFilter="0, 0; .2, .5; .8, .5; 1, 0"/>
+                                        <p:tgtEl>
+                                          <p:spTgt spid="5"/>
+                                        </p:tgtEl>
+                                      </p:cBhvr>
+                                    </p:animEffect>
+                                    <p:animScale>
+                                      <p:cBhvr>
+                                        <p:cTn id="44" dur="250" autoRev="1" fill="hold"/>
+                                        <p:tgtEl>
+                                          <p:spTgt spid="5"/>
+                                        </p:tgtEl>
+                                      </p:cBhvr>
+                                      <p:by x="105000" y="105000"/>
+                                    </p:animScale>
+                                  </p:childTnLst>
+                                </p:cTn>
+                              </p:par>
+                            </p:childTnLst>
+                          </p:cTn>
+                        </p:par>
+                        <p:par>
+                          <p:cTn id="45" fill="hold">
+                            <p:stCondLst>
+                              <p:cond delay="500"/>
+                            </p:stCondLst>
+                            <p:childTnLst>
+                              <p:par>
+                                <p:cTn id="46" presetID="10" presetClass="entr" presetSubtype="0" fill="hold" grpId="0" nodeType="afterEffect">
+                                  <p:stCondLst>
+                                    <p:cond delay="0"/>
+                                  </p:stCondLst>
+                                  <p:childTnLst>
+                                    <p:set>
+                                      <p:cBhvr>
+                                        <p:cTn id="47" dur="1" fill="hold">
+                                          <p:stCondLst>
+                                            <p:cond delay="0"/>
+                                          </p:stCondLst>
+                                        </p:cTn>
+                                        <p:tgtEl>
+                                          <p:spTgt spid="9"/>
+                                        </p:tgtEl>
+                                        <p:attrNameLst>
+                                          <p:attrName>style.visibility</p:attrName>
+                                        </p:attrNameLst>
+                                      </p:cBhvr>
+                                      <p:to>
+                                        <p:strVal val="visible"/>
+                                      </p:to>
+                                    </p:set>
+                                    <p:animEffect transition="in" filter="fade">
+                                      <p:cBhvr>
+                                        <p:cTn id="48" dur="500"/>
+                                        <p:tgtEl>
+                                          <p:spTgt spid="9"/>
+                                        </p:tgtEl>
+                                      </p:cBhvr>
+                                    </p:animEffect>
+                                  </p:childTnLst>
+                                </p:cTn>
+                              </p:par>
+                            </p:childTnLst>
+                          </p:cTn>
+                        </p:par>
+                        <p:par>
+                          <p:cTn id="49" fill="hold">
+                            <p:stCondLst>
+                              <p:cond delay="1500"/>
+                            </p:stCondLst>
+                            <p:childTnLst>
+                              <p:par>
+                                <p:cTn id="50" presetID="26" presetClass="emph" presetSubtype="0" fill="hold" grpId="2" nodeType="afterEffect">
+                                  <p:stCondLst>
+                                    <p:cond delay="0"/>
+                                  </p:stCondLst>
+                                  <p:childTnLst>
+                                    <p:animEffect transition="out" filter="fade">
+                                      <p:cBhvr>
+                                        <p:cTn id="51" dur="500" tmFilter="0, 0; .2, .5; .8, .5; 1, 0"/>
+                                        <p:tgtEl>
+                                          <p:spTgt spid="6"/>
+                                        </p:tgtEl>
+                                      </p:cBhvr>
+                                    </p:animEffect>
+                                    <p:animScale>
+                                      <p:cBhvr>
+                                        <p:cTn id="52" dur="250" autoRev="1" fill="hold"/>
+                                        <p:tgtEl>
+                                          <p:spTgt spid="6"/>
+                                        </p:tgtEl>
+                                      </p:cBhvr>
+                                      <p:by x="105000" y="105000"/>
+                                    </p:animScale>
+                                  </p:childTnLst>
+                                </p:cTn>
+                              </p:par>
+                            </p:childTnLst>
+                          </p:cTn>
+                        </p:par>
+                      </p:childTnLst>
+                    </p:cTn>
+                  </p:par>
+                  <p:par>
+                    <p:cTn id="53" fill="hold">
+                      <p:stCondLst>
+                        <p:cond delay="indefinite"/>
+                      </p:stCondLst>
+                      <p:childTnLst>
+                        <p:par>
+                          <p:cTn id="54" fill="hold">
+                            <p:stCondLst>
+                              <p:cond delay="0"/>
+                            </p:stCondLst>
+                            <p:childTnLst>
+                              <p:par>
+                                <p:cTn id="55" presetID="26" presetClass="emph" presetSubtype="0" fill="hold" grpId="3" nodeType="clickEffect">
+                                  <p:stCondLst>
+                                    <p:cond delay="0"/>
+                                  </p:stCondLst>
+                                  <p:childTnLst>
+                                    <p:animEffect transition="out" filter="fade">
+                                      <p:cBhvr>
+                                        <p:cTn id="56" dur="500" tmFilter="0, 0; .2, .5; .8, .5; 1, 0"/>
+                                        <p:tgtEl>
+                                          <p:spTgt spid="6"/>
+                                        </p:tgtEl>
+                                      </p:cBhvr>
+                                    </p:animEffect>
+                                    <p:animScale>
+                                      <p:cBhvr>
+                                        <p:cTn id="57" dur="250" autoRev="1" fill="hold"/>
+                                        <p:tgtEl>
+                                          <p:spTgt spid="6"/>
+                                        </p:tgtEl>
+                                      </p:cBhvr>
+                                      <p:by x="105000" y="105000"/>
+                                    </p:animScale>
+                                  </p:childTnLst>
+                                </p:cTn>
+                              </p:par>
+                            </p:childTnLst>
+                          </p:cTn>
+                        </p:par>
+                        <p:par>
+                          <p:cTn id="58" fill="hold">
+                            <p:stCondLst>
+                              <p:cond delay="500"/>
+                            </p:stCondLst>
+                            <p:childTnLst>
+                              <p:par>
+                                <p:cTn id="59" presetID="10" presetClass="entr" presetSubtype="0" fill="hold" grpId="0" nodeType="afterEffect">
+                                  <p:stCondLst>
+                                    <p:cond delay="0"/>
+                                  </p:stCondLst>
+                                  <p:childTnLst>
+                                    <p:set>
+                                      <p:cBhvr>
+                                        <p:cTn id="60" dur="1" fill="hold">
+                                          <p:stCondLst>
+                                            <p:cond delay="0"/>
+                                          </p:stCondLst>
+                                        </p:cTn>
+                                        <p:tgtEl>
+                                          <p:spTgt spid="10"/>
+                                        </p:tgtEl>
+                                        <p:attrNameLst>
+                                          <p:attrName>style.visibility</p:attrName>
+                                        </p:attrNameLst>
+                                      </p:cBhvr>
+                                      <p:to>
+                                        <p:strVal val="visible"/>
+                                      </p:to>
+                                    </p:set>
+                                    <p:animEffect transition="in" filter="fade">
+                                      <p:cBhvr>
+                                        <p:cTn id="61" dur="500"/>
+                                        <p:tgtEl>
+                                          <p:spTgt spid="10"/>
+                                        </p:tgtEl>
+                                      </p:cBhvr>
+                                    </p:animEffect>
+                                  </p:childTnLst>
+                                </p:cTn>
+                              </p:par>
+                            </p:childTnLst>
+                          </p:cTn>
+                        </p:par>
+                        <p:par>
+                          <p:cTn id="62" fill="hold">
+                            <p:stCondLst>
+                              <p:cond delay="1000"/>
+                            </p:stCondLst>
+                            <p:childTnLst>
+                              <p:par>
+                                <p:cTn id="63" presetID="26" presetClass="emph" presetSubtype="0" fill="hold" grpId="4" nodeType="afterEffect">
+                                  <p:stCondLst>
+                                    <p:cond delay="0"/>
+                                  </p:stCondLst>
+                                  <p:childTnLst>
+                                    <p:animEffect transition="out" filter="fade">
+                                      <p:cBhvr>
+                                        <p:cTn id="64" dur="500" tmFilter="0, 0; .2, .5; .8, .5; 1, 0"/>
+                                        <p:tgtEl>
+                                          <p:spTgt spid="5"/>
+                                        </p:tgtEl>
+                                      </p:cBhvr>
+                                    </p:animEffect>
+                                    <p:animScale>
+                                      <p:cBhvr>
+                                        <p:cTn id="65" dur="250" autoRev="1" fill="hold"/>
+                                        <p:tgtEl>
+                                          <p:spTgt spid="5"/>
+                                        </p:tgtEl>
+                                      </p:cBhvr>
+                                      <p:by x="105000" y="105000"/>
+                                    </p:animScale>
+                                  </p:childTnLst>
+                                </p:cTn>
+                              </p:par>
+                            </p:childTnLst>
+                          </p:cTn>
+                        </p:par>
+                      </p:childTnLst>
+                    </p:cTn>
+                  </p:par>
+                  <p:par>
+                    <p:cTn id="66" fill="hold">
+                      <p:stCondLst>
+                        <p:cond delay="indefinite"/>
+                      </p:stCondLst>
+                      <p:childTnLst>
+                        <p:par>
+                          <p:cTn id="67" fill="hold">
+                            <p:stCondLst>
+                              <p:cond delay="0"/>
+                            </p:stCondLst>
+                            <p:childTnLst>
+                              <p:par>
+                                <p:cTn id="68" presetID="10" presetClass="exit" presetSubtype="0" fill="hold" grpId="1" nodeType="clickEffect">
+                                  <p:stCondLst>
+                                    <p:cond delay="0"/>
+                                  </p:stCondLst>
+                                  <p:childTnLst>
+                                    <p:animEffect transition="out" filter="fade">
+                                      <p:cBhvr>
+                                        <p:cTn id="69" dur="500"/>
+                                        <p:tgtEl>
+                                          <p:spTgt spid="9"/>
+                                        </p:tgtEl>
+                                      </p:cBhvr>
+                                    </p:animEffect>
+                                    <p:set>
+                                      <p:cBhvr>
+                                        <p:cTn id="70" dur="1" fill="hold">
+                                          <p:stCondLst>
+                                            <p:cond delay="499"/>
+                                          </p:stCondLst>
+                                        </p:cTn>
+                                        <p:tgtEl>
+                                          <p:spTgt spid="9"/>
+                                        </p:tgtEl>
+                                        <p:attrNameLst>
+                                          <p:attrName>style.visibility</p:attrName>
+                                        </p:attrNameLst>
+                                      </p:cBhvr>
+                                      <p:to>
+                                        <p:strVal val="hidden"/>
+                                      </p:to>
+                                    </p:set>
+                                  </p:childTnLst>
+                                </p:cTn>
+                              </p:par>
+                              <p:par>
+                                <p:cTn id="71" presetID="10" presetClass="exit" presetSubtype="0" fill="hold" grpId="1" nodeType="withEffect">
+                                  <p:stCondLst>
+                                    <p:cond delay="0"/>
+                                  </p:stCondLst>
+                                  <p:childTnLst>
+                                    <p:animEffect transition="out" filter="fade">
+                                      <p:cBhvr>
+                                        <p:cTn id="72" dur="500"/>
+                                        <p:tgtEl>
+                                          <p:spTgt spid="10"/>
+                                        </p:tgtEl>
+                                      </p:cBhvr>
+                                    </p:animEffect>
+                                    <p:set>
+                                      <p:cBhvr>
+                                        <p:cTn id="73" dur="1" fill="hold">
+                                          <p:stCondLst>
+                                            <p:cond delay="499"/>
+                                          </p:stCondLst>
+                                        </p:cTn>
+                                        <p:tgtEl>
+                                          <p:spTgt spid="10"/>
+                                        </p:tgtEl>
+                                        <p:attrNameLst>
+                                          <p:attrName>style.visibility</p:attrName>
+                                        </p:attrNameLst>
+                                      </p:cBhvr>
+                                      <p:to>
+                                        <p:strVal val="hidden"/>
+                                      </p:to>
+                                    </p:set>
+                                  </p:childTnLst>
+                                </p:cTn>
+                              </p:par>
+                            </p:childTnLst>
+                          </p:cTn>
+                        </p:par>
+                        <p:par>
+                          <p:cTn id="74" fill="hold">
+                            <p:stCondLst>
+                              <p:cond delay="500"/>
+                            </p:stCondLst>
+                            <p:childTnLst>
+                              <p:par>
+                                <p:cTn id="75" presetID="53" presetClass="entr" presetSubtype="16" fill="hold" nodeType="afterEffect">
+                                  <p:stCondLst>
+                                    <p:cond delay="0"/>
+                                  </p:stCondLst>
+                                  <p:childTnLst>
+                                    <p:set>
+                                      <p:cBhvr>
+                                        <p:cTn id="76" dur="1" fill="hold">
+                                          <p:stCondLst>
+                                            <p:cond delay="0"/>
+                                          </p:stCondLst>
+                                        </p:cTn>
+                                        <p:tgtEl>
+                                          <p:spTgt spid="7"/>
+                                        </p:tgtEl>
+                                        <p:attrNameLst>
+                                          <p:attrName>style.visibility</p:attrName>
+                                        </p:attrNameLst>
+                                      </p:cBhvr>
+                                      <p:to>
+                                        <p:strVal val="visible"/>
+                                      </p:to>
+                                    </p:set>
+                                    <p:anim calcmode="lin" valueType="num">
+                                      <p:cBhvr>
+                                        <p:cTn id="77" dur="500" fill="hold"/>
+                                        <p:tgtEl>
+                                          <p:spTgt spid="7"/>
+                                        </p:tgtEl>
+                                        <p:attrNameLst>
+                                          <p:attrName>ppt_w</p:attrName>
+                                        </p:attrNameLst>
+                                      </p:cBhvr>
+                                      <p:tavLst>
+                                        <p:tav tm="0">
+                                          <p:val>
+                                            <p:fltVal val="0"/>
+                                          </p:val>
+                                        </p:tav>
+                                        <p:tav tm="100000">
+                                          <p:val>
+                                            <p:strVal val="#ppt_w"/>
+                                          </p:val>
+                                        </p:tav>
+                                      </p:tavLst>
+                                    </p:anim>
+                                    <p:anim calcmode="lin" valueType="num">
+                                      <p:cBhvr>
+                                        <p:cTn id="78" dur="500" fill="hold"/>
+                                        <p:tgtEl>
+                                          <p:spTgt spid="7"/>
+                                        </p:tgtEl>
+                                        <p:attrNameLst>
+                                          <p:attrName>ppt_h</p:attrName>
+                                        </p:attrNameLst>
+                                      </p:cBhvr>
+                                      <p:tavLst>
+                                        <p:tav tm="0">
+                                          <p:val>
+                                            <p:fltVal val="0"/>
+                                          </p:val>
+                                        </p:tav>
+                                        <p:tav tm="100000">
+                                          <p:val>
+                                            <p:strVal val="#ppt_h"/>
+                                          </p:val>
+                                        </p:tav>
+                                      </p:tavLst>
+                                    </p:anim>
+                                    <p:animEffect transition="in" filter="fade">
+                                      <p:cBhvr>
+                                        <p:cTn id="79" dur="500"/>
+                                        <p:tgtEl>
+                                          <p:spTgt spid="7"/>
+                                        </p:tgtEl>
+                                      </p:cBhvr>
+                                    </p:animEffect>
+                                  </p:childTnLst>
+                                </p:cTn>
+                              </p:par>
+                              <p:par>
+                                <p:cTn id="80" presetID="53" presetClass="entr" presetSubtype="16" fill="hold" nodeType="withEffect">
+                                  <p:stCondLst>
+                                    <p:cond delay="0"/>
+                                  </p:stCondLst>
+                                  <p:childTnLst>
+                                    <p:set>
+                                      <p:cBhvr>
+                                        <p:cTn id="81" dur="1" fill="hold">
+                                          <p:stCondLst>
+                                            <p:cond delay="0"/>
+                                          </p:stCondLst>
+                                        </p:cTn>
+                                        <p:tgtEl>
+                                          <p:spTgt spid="21"/>
+                                        </p:tgtEl>
+                                        <p:attrNameLst>
+                                          <p:attrName>style.visibility</p:attrName>
+                                        </p:attrNameLst>
+                                      </p:cBhvr>
+                                      <p:to>
+                                        <p:strVal val="visible"/>
+                                      </p:to>
+                                    </p:set>
+                                    <p:anim calcmode="lin" valueType="num">
+                                      <p:cBhvr>
+                                        <p:cTn id="82" dur="500" fill="hold"/>
+                                        <p:tgtEl>
+                                          <p:spTgt spid="21"/>
+                                        </p:tgtEl>
+                                        <p:attrNameLst>
+                                          <p:attrName>ppt_w</p:attrName>
+                                        </p:attrNameLst>
+                                      </p:cBhvr>
+                                      <p:tavLst>
+                                        <p:tav tm="0">
+                                          <p:val>
+                                            <p:fltVal val="0"/>
+                                          </p:val>
+                                        </p:tav>
+                                        <p:tav tm="100000">
+                                          <p:val>
+                                            <p:strVal val="#ppt_w"/>
+                                          </p:val>
+                                        </p:tav>
+                                      </p:tavLst>
+                                    </p:anim>
+                                    <p:anim calcmode="lin" valueType="num">
+                                      <p:cBhvr>
+                                        <p:cTn id="83" dur="500" fill="hold"/>
+                                        <p:tgtEl>
+                                          <p:spTgt spid="21"/>
+                                        </p:tgtEl>
+                                        <p:attrNameLst>
+                                          <p:attrName>ppt_h</p:attrName>
+                                        </p:attrNameLst>
+                                      </p:cBhvr>
+                                      <p:tavLst>
+                                        <p:tav tm="0">
+                                          <p:val>
+                                            <p:fltVal val="0"/>
+                                          </p:val>
+                                        </p:tav>
+                                        <p:tav tm="100000">
+                                          <p:val>
+                                            <p:strVal val="#ppt_h"/>
+                                          </p:val>
+                                        </p:tav>
+                                      </p:tavLst>
+                                    </p:anim>
+                                    <p:animEffect transition="in" filter="fade">
+                                      <p:cBhvr>
+                                        <p:cTn id="84" dur="500"/>
+                                        <p:tgtEl>
+                                          <p:spTgt spid="21"/>
+                                        </p:tgtEl>
+                                      </p:cBhvr>
+                                    </p:animEffect>
+                                  </p:childTnLst>
+                                </p:cTn>
+                              </p:par>
+                            </p:childTnLst>
+                          </p:cTn>
+                        </p:par>
+                        <p:par>
+                          <p:cTn id="85" fill="hold">
+                            <p:stCondLst>
+                              <p:cond delay="1000"/>
+                            </p:stCondLst>
+                            <p:childTnLst>
+                              <p:par>
+                                <p:cTn id="86" presetID="9" presetClass="emph" presetSubtype="0" grpId="3" nodeType="afterEffect">
+                                  <p:stCondLst>
+                                    <p:cond delay="0"/>
+                                  </p:stCondLst>
+                                  <p:childTnLst>
+                                    <p:set>
+                                      <p:cBhvr rctx="PPT">
+                                        <p:cTn id="87" dur="indefinite"/>
+                                        <p:tgtEl>
+                                          <p:spTgt spid="5"/>
+                                        </p:tgtEl>
+                                        <p:attrNameLst>
+                                          <p:attrName>style.opacity</p:attrName>
+                                        </p:attrNameLst>
+                                      </p:cBhvr>
+                                      <p:to>
+                                        <p:strVal val="0.5"/>
+                                      </p:to>
+                                    </p:set>
+                                    <p:animEffect filter="image" prLst="opacity: 0.5">
+                                      <p:cBhvr rctx="IE">
+                                        <p:cTn id="88" dur="indefinite"/>
+                                        <p:tgtEl>
+                                          <p:spTgt spid="5"/>
+                                        </p:tgtEl>
+                                      </p:cBhvr>
+                                    </p:animEffect>
+                                  </p:childTnLst>
+                                </p:cTn>
+                              </p:par>
+                              <p:par>
+                                <p:cTn id="89" presetID="9" presetClass="emph" presetSubtype="0" grpId="4" nodeType="withEffect">
+                                  <p:stCondLst>
+                                    <p:cond delay="0"/>
+                                  </p:stCondLst>
+                                  <p:childTnLst>
+                                    <p:set>
+                                      <p:cBhvr rctx="PPT">
+                                        <p:cTn id="90" dur="indefinite"/>
+                                        <p:tgtEl>
+                                          <p:spTgt spid="6"/>
+                                        </p:tgtEl>
+                                        <p:attrNameLst>
+                                          <p:attrName>style.opacity</p:attrName>
+                                        </p:attrNameLst>
+                                      </p:cBhvr>
+                                      <p:to>
+                                        <p:strVal val="0.5"/>
+                                      </p:to>
+                                    </p:set>
+                                    <p:animEffect filter="image" prLst="opacity: 0.5">
+                                      <p:cBhvr rctx="IE">
+                                        <p:cTn id="91" dur="indefinite"/>
+                                        <p:tgtEl>
+                                          <p:spTgt spid="6"/>
+                                        </p:tgtEl>
+                                      </p:cBhvr>
+                                    </p:animEffect>
+                                  </p:childTnLst>
+                                </p:cTn>
+                              </p:par>
+                            </p:childTnLst>
+                          </p:cTn>
+                        </p:par>
+                      </p:childTnLst>
+                    </p:cTn>
+                  </p:par>
+                </p:childTnLst>
+              </p:cTn>
+              <p:prevCondLst>
+                <p:cond evt="onPrev" delay="0">
+                  <p:tgtEl>
+                    <p:sldTgt/>
+                  </p:tgtEl>
+                </p:cond>
+              </p:prevCondLst>
+              <p:nextCondLst>
+                <p:cond evt="onNext" delay="0">
+                  <p:tgtEl>
+                    <p:sldTgt/>
+                  </p:tgtEl>
+                </p:cond>
+              </p:nextCondLst>
+            </p:seq>
+          </p:childTnLst>
+        </p:cTn>
+      </p:par>
+    </p:tnLst>
+    <p:bldLst>
+      <p:bldP spid="5" grpId="0" animBg="1"/>
+      <p:bldP spid="5" grpId="1" animBg="1"/>
+      <p:bldP spid="5" grpId="2" animBg="1"/>
+      <p:bldP spid="5" grpId="3" animBg="1"/>
+      <p:bldP spid="5" grpId="4" animBg="1"/>
+      <p:bldP spid="6" grpId="0" animBg="1"/>
+      <p:bldP spid="6" grpId="1" animBg="1"/>
+      <p:bldP spid="6" grpId="2" animBg="1"/>
+      <p:bldP spid="6" grpId="3" animBg="1"/>
+      <p:bldP spid="6" grpId="4" animBg="1"/>
+      <p:bldP spid="9" grpId="0" animBg="1"/>
+      <p:bldP spid="9" grpId="1" animBg="1"/>
+      <p:bldP spid="10" grpId="0" animBg="1"/>
+      <p:bldP spid="10" grpId="1" animBg="1"/>
+      <p:bldP spid="11" grpId="0" animBg="1"/>
+      <p:bldP spid="2" grpId="0"/>
+      <p:bldP spid="19" grpId="0"/>
+    </p:bldLst>
+  </p:timing>
+</p:sld>
+</file>
+
+<file path=ppt/slides/slide4.xml><?xml version="1.0" encoding="utf-8"?>
 <p:sld xmlns:a="http://schemas.openxmlformats.org/drawingml/2006/main" xmlns:r="http://schemas.openxmlformats.org/officeDocument/2006/relationships" xmlns:p="http://schemas.openxmlformats.org/presentationml/2006/main">
   <p:cSld>
     <p:spTree>
@@ -4779,7 +7688,7 @@
         <p:spPr>
           <a:xfrm>
             <a:off x="354175" y="1945290"/>
-            <a:ext cx="1559722" cy="369332"/>
+            <a:ext cx="1612621" cy="369332"/>
           </a:xfrm>
           <a:prstGeom prst="rect">
             <a:avLst/>
@@ -4798,11 +7707,19 @@
                   <a:schemeClr val="bg1"/>
                 </a:solidFill>
               </a:rPr>
-              <a:t>DOM manager</a:t>
+              <a:t>DOM </a:t>
+            </a:r>
+            <a:r>
+              <a:rPr lang="en-US" altLang="zh-CN" dirty="0" smtClean="0">
+                <a:solidFill>
+                  <a:schemeClr val="bg1"/>
+                </a:solidFill>
+              </a:rPr>
+              <a:t>manager</a:t>
             </a:r>
             <a:endParaRPr lang="zh-CN" altLang="en-US" dirty="0">
               <a:solidFill>
-                <a:schemeClr val="bg1"/>
+                <a:srgbClr val="FFC000"/>
               </a:solidFill>
             </a:endParaRPr>
           </a:p>
@@ -4817,7 +7734,7 @@
         <p:spPr>
           <a:xfrm>
             <a:off x="4962766" y="1930369"/>
-            <a:ext cx="1860253" cy="369332"/>
+            <a:ext cx="2194447" cy="369332"/>
           </a:xfrm>
           <a:prstGeom prst="rect">
             <a:avLst/>
@@ -4836,11 +7753,19 @@
                   <a:schemeClr val="bg1"/>
                 </a:solidFill>
               </a:rPr>
-              <a:t>Jscript Interpreter</a:t>
+              <a:t>JavaScript </a:t>
+            </a:r>
+            <a:r>
+              <a:rPr lang="en-US" altLang="zh-CN" dirty="0" smtClean="0">
+                <a:solidFill>
+                  <a:schemeClr val="bg1"/>
+                </a:solidFill>
+              </a:rPr>
+              <a:t>Interpreter</a:t>
             </a:r>
             <a:endParaRPr lang="zh-CN" altLang="en-US" dirty="0">
               <a:solidFill>
-                <a:schemeClr val="bg1"/>
+                <a:srgbClr val="FFC000"/>
               </a:solidFill>
             </a:endParaRPr>
           </a:p>
@@ -4999,6 +7924,9 @@
                                   <p:stCondLst>
                                     <p:cond delay="0"/>
                                   </p:stCondLst>
+                                  <p:iterate type="lt">
+                                    <p:tmPct val="0"/>
+                                  </p:iterate>
                                   <p:childTnLst>
                                     <p:set>
                                       <p:cBhvr>
@@ -5043,6 +7971,9 @@
                                   <p:stCondLst>
                                     <p:cond delay="0"/>
                                   </p:stCondLst>
+                                  <p:iterate type="lt">
+                                    <p:tmPct val="0"/>
+                                  </p:iterate>
                                   <p:childTnLst>
                                     <p:set>
                                       <p:cBhvr>
@@ -5083,14 +8014,17 @@
                             </p:stCondLst>
                             <p:childTnLst>
                               <p:par>
-                                <p:cTn id="13" presetID="32" presetClass="emph" presetSubtype="0" fill="hold" grpId="1" nodeType="afterEffect">
+                                <p:cTn id="13" presetID="34" presetClass="emph" presetSubtype="0" fill="hold" grpId="1" nodeType="afterEffect">
                                   <p:stCondLst>
                                     <p:cond delay="0"/>
                                   </p:stCondLst>
+                                  <p:iterate type="lt">
+                                    <p:tmPct val="10000"/>
+                                  </p:iterate>
                                   <p:childTnLst>
-                                    <p:animRot by="120000">
-                                      <p:cBhvr>
-                                        <p:cTn id="14" dur="100" fill="hold">
+                                    <p:animMotion origin="layout" path="M 0.0 0.0 L 0.0 -0.07213" pathEditMode="relative" ptsTypes="">
+                                      <p:cBhvr>
+                                        <p:cTn id="14" dur="250" accel="50000" decel="50000" autoRev="1" fill="hold">
                                           <p:stCondLst>
                                             <p:cond delay="0"/>
                                           </p:stCondLst>
@@ -5099,15 +8033,16 @@
                                           <p:spTgt spid="5"/>
                                         </p:tgtEl>
                                         <p:attrNameLst>
-                                          <p:attrName>r</p:attrName>
+                                          <p:attrName>ppt_x</p:attrName>
+                                          <p:attrName>ppt_y</p:attrName>
                                         </p:attrNameLst>
                                       </p:cBhvr>
-                                    </p:animRot>
-                                    <p:animRot by="-240000">
-                                      <p:cBhvr>
-                                        <p:cTn id="15" dur="200" fill="hold">
+                                    </p:animMotion>
+                                    <p:animRot by="1500000">
+                                      <p:cBhvr>
+                                        <p:cTn id="15" dur="125" fill="hold">
                                           <p:stCondLst>
-                                            <p:cond delay="200"/>
+                                            <p:cond delay="0"/>
                                           </p:stCondLst>
                                         </p:cTn>
                                         <p:tgtEl>
@@ -5118,11 +8053,11 @@
                                         </p:attrNameLst>
                                       </p:cBhvr>
                                     </p:animRot>
-                                    <p:animRot by="240000">
-                                      <p:cBhvr>
-                                        <p:cTn id="16" dur="200" fill="hold">
+                                    <p:animRot by="-1500000">
+                                      <p:cBhvr>
+                                        <p:cTn id="16" dur="125" fill="hold">
                                           <p:stCondLst>
-                                            <p:cond delay="400"/>
+                                            <p:cond delay="125"/>
                                           </p:stCondLst>
                                         </p:cTn>
                                         <p:tgtEl>
@@ -5133,11 +8068,11 @@
                                         </p:attrNameLst>
                                       </p:cBhvr>
                                     </p:animRot>
-                                    <p:animRot by="-240000">
-                                      <p:cBhvr>
-                                        <p:cTn id="17" dur="200" fill="hold">
+                                    <p:animRot by="-1500000">
+                                      <p:cBhvr>
+                                        <p:cTn id="17" dur="125" fill="hold">
                                           <p:stCondLst>
-                                            <p:cond delay="600"/>
+                                            <p:cond delay="250"/>
                                           </p:stCondLst>
                                         </p:cTn>
                                         <p:tgtEl>
@@ -5148,11 +8083,11 @@
                                         </p:attrNameLst>
                                       </p:cBhvr>
                                     </p:animRot>
-                                    <p:animRot by="120000">
-                                      <p:cBhvr>
-                                        <p:cTn id="18" dur="200" fill="hold">
+                                    <p:animRot by="1500000">
+                                      <p:cBhvr>
+                                        <p:cTn id="18" dur="125" fill="hold">
                                           <p:stCondLst>
-                                            <p:cond delay="800"/>
+                                            <p:cond delay="375"/>
                                           </p:stCondLst>
                                         </p:cTn>
                                         <p:tgtEl>
@@ -5172,18 +8107,21 @@
                         <p:par>
                           <p:cTn id="19" fill="hold">
                             <p:stCondLst>
-                              <p:cond delay="2000"/>
+                              <p:cond delay="1900"/>
                             </p:stCondLst>
                             <p:childTnLst>
                               <p:par>
-                                <p:cTn id="20" presetID="32" presetClass="emph" presetSubtype="0" fill="hold" grpId="1" nodeType="afterEffect">
+                                <p:cTn id="20" presetID="34" presetClass="emph" presetSubtype="0" fill="hold" grpId="1" nodeType="afterEffect">
                                   <p:stCondLst>
                                     <p:cond delay="0"/>
                                   </p:stCondLst>
+                                  <p:iterate type="lt">
+                                    <p:tmPct val="10000"/>
+                                  </p:iterate>
                                   <p:childTnLst>
-                                    <p:animRot by="120000">
-                                      <p:cBhvr>
-                                        <p:cTn id="21" dur="100" fill="hold">
+                                    <p:animMotion origin="layout" path="M 0.0 0.0 L 0.0 -0.07213" pathEditMode="relative" ptsTypes="">
+                                      <p:cBhvr>
+                                        <p:cTn id="21" dur="250" accel="50000" decel="50000" autoRev="1" fill="hold">
                                           <p:stCondLst>
                                             <p:cond delay="0"/>
                                           </p:stCondLst>
@@ -5192,15 +8130,16 @@
                                           <p:spTgt spid="6"/>
                                         </p:tgtEl>
                                         <p:attrNameLst>
-                                          <p:attrName>r</p:attrName>
+                                          <p:attrName>ppt_x</p:attrName>
+                                          <p:attrName>ppt_y</p:attrName>
                                         </p:attrNameLst>
                                       </p:cBhvr>
-                                    </p:animRot>
-                                    <p:animRot by="-240000">
-                                      <p:cBhvr>
-                                        <p:cTn id="22" dur="200" fill="hold">
+                                    </p:animMotion>
+                                    <p:animRot by="1500000">
+                                      <p:cBhvr>
+                                        <p:cTn id="22" dur="125" fill="hold">
                                           <p:stCondLst>
-                                            <p:cond delay="200"/>
+                                            <p:cond delay="0"/>
                                           </p:stCondLst>
                                         </p:cTn>
                                         <p:tgtEl>
@@ -5211,11 +8150,11 @@
                                         </p:attrNameLst>
                                       </p:cBhvr>
                                     </p:animRot>
-                                    <p:animRot by="240000">
-                                      <p:cBhvr>
-                                        <p:cTn id="23" dur="200" fill="hold">
+                                    <p:animRot by="-1500000">
+                                      <p:cBhvr>
+                                        <p:cTn id="23" dur="125" fill="hold">
                                           <p:stCondLst>
-                                            <p:cond delay="400"/>
+                                            <p:cond delay="125"/>
                                           </p:stCondLst>
                                         </p:cTn>
                                         <p:tgtEl>
@@ -5226,11 +8165,11 @@
                                         </p:attrNameLst>
                                       </p:cBhvr>
                                     </p:animRot>
-                                    <p:animRot by="-240000">
-                                      <p:cBhvr>
-                                        <p:cTn id="24" dur="200" fill="hold">
+                                    <p:animRot by="-1500000">
+                                      <p:cBhvr>
+                                        <p:cTn id="24" dur="125" fill="hold">
                                           <p:stCondLst>
-                                            <p:cond delay="600"/>
+                                            <p:cond delay="250"/>
                                           </p:stCondLst>
                                         </p:cTn>
                                         <p:tgtEl>
@@ -5241,11 +8180,11 @@
                                         </p:attrNameLst>
                                       </p:cBhvr>
                                     </p:animRot>
-                                    <p:animRot by="120000">
-                                      <p:cBhvr>
-                                        <p:cTn id="25" dur="200" fill="hold">
+                                    <p:animRot by="1500000">
+                                      <p:cBhvr>
+                                        <p:cTn id="25" dur="125" fill="hold">
                                           <p:stCondLst>
-                                            <p:cond delay="800"/>
+                                            <p:cond delay="375"/>
                                           </p:stCondLst>
                                         </p:cTn>
                                         <p:tgtEl>
@@ -5282,6 +8221,9 @@
                                   <p:stCondLst>
                                     <p:cond delay="0"/>
                                   </p:stCondLst>
+                                  <p:iterate type="lt">
+                                    <p:tmPct val="0"/>
+                                  </p:iterate>
                                   <p:childTnLst>
                                     <p:animEffect transition="out" filter="fade">
                                       <p:cBhvr>
@@ -5353,7 +8295,7 @@
                         <p:par>
                           <p:cTn id="35" fill="hold">
                             <p:stCondLst>
-                              <p:cond delay="1500"/>
+                              <p:cond delay="1000"/>
                             </p:stCondLst>
                             <p:childTnLst>
                               <p:par>
@@ -5361,6 +8303,9 @@
                                   <p:stCondLst>
                                     <p:cond delay="0"/>
                                   </p:stCondLst>
+                                  <p:iterate type="lt">
+                                    <p:tmPct val="0"/>
+                                  </p:iterate>
                                   <p:childTnLst>
                                     <p:animEffect transition="out" filter="fade">
                                       <p:cBhvr>
@@ -5405,6 +8350,9 @@
                                   <p:stCondLst>
                                     <p:cond delay="0"/>
                                   </p:stCondLst>
+                                  <p:iterate type="lt">
+                                    <p:tmPct val="0"/>
+                                  </p:iterate>
                                   <p:childTnLst>
                                     <p:animEffect transition="out" filter="fade">
                                       <p:cBhvr>
@@ -5484,6 +8432,9 @@
                                   <p:stCondLst>
                                     <p:cond delay="0"/>
                                   </p:stCondLst>
+                                  <p:iterate type="lt">
+                                    <p:tmPct val="0"/>
+                                  </p:iterate>
                                   <p:childTnLst>
                                     <p:animEffect transition="out" filter="fade">
                                       <p:cBhvr>
@@ -6125,7 +9076,7 @@
 </p:sld>
 </file>
 
-<file path=ppt/slides/slide3.xml><?xml version="1.0" encoding="utf-8"?>
+<file path=ppt/slides/slide5.xml><?xml version="1.0" encoding="utf-8"?>
 <p:sld xmlns:a="http://schemas.openxmlformats.org/drawingml/2006/main" xmlns:r="http://schemas.openxmlformats.org/officeDocument/2006/relationships" xmlns:p="http://schemas.openxmlformats.org/presentationml/2006/main">
   <p:cSld>
     <p:spTree>
@@ -7315,7 +10266,7 @@
 </p:sld>
 </file>
 
-<file path=ppt/slides/slide4.xml><?xml version="1.0" encoding="utf-8"?>
+<file path=ppt/slides/slide6.xml><?xml version="1.0" encoding="utf-8"?>
 <p:sld xmlns:a="http://schemas.openxmlformats.org/drawingml/2006/main" xmlns:r="http://schemas.openxmlformats.org/officeDocument/2006/relationships" xmlns:p="http://schemas.openxmlformats.org/presentationml/2006/main">
   <p:cSld>
     <p:spTree>
@@ -7640,7 +10591,7 @@
 </p:sld>
 </file>
 
-<file path=ppt/slides/slide5.xml><?xml version="1.0" encoding="utf-8"?>
+<file path=ppt/slides/slide7.xml><?xml version="1.0" encoding="utf-8"?>
 <p:sld xmlns:a="http://schemas.openxmlformats.org/drawingml/2006/main" xmlns:r="http://schemas.openxmlformats.org/officeDocument/2006/relationships" xmlns:p="http://schemas.openxmlformats.org/presentationml/2006/main">
   <p:cSld>
     <p:spTree>
@@ -7801,7 +10752,7 @@
 </p:sld>
 </file>
 
-<file path=ppt/slides/slide6.xml><?xml version="1.0" encoding="utf-8"?>
+<file path=ppt/slides/slide8.xml><?xml version="1.0" encoding="utf-8"?>
 <p:sld xmlns:a="http://schemas.openxmlformats.org/drawingml/2006/main" xmlns:r="http://schemas.openxmlformats.org/officeDocument/2006/relationships" xmlns:p="http://schemas.openxmlformats.org/presentationml/2006/main">
   <p:cSld>
     <p:spTree>
@@ -7935,7 +10886,7 @@
 </p:sld>
 </file>
 
-<file path=ppt/slides/slide7.xml><?xml version="1.0" encoding="utf-8"?>
+<file path=ppt/slides/slide9.xml><?xml version="1.0" encoding="utf-8"?>
 <p:sld xmlns:a="http://schemas.openxmlformats.org/drawingml/2006/main" xmlns:r="http://schemas.openxmlformats.org/officeDocument/2006/relationships" xmlns:p="http://schemas.openxmlformats.org/presentationml/2006/main">
   <p:cSld>
     <p:spTree>
@@ -7954,14 +10905,73 @@
       </p:grpSpPr>
       <p:sp>
         <p:nvSpPr>
-          <p:cNvPr id="13" name="TextBox 12"/>
+          <p:cNvPr id="5" name="标题 1"/>
+          <p:cNvSpPr txBox="1">
+            <a:spLocks/>
+          </p:cNvSpPr>
+          <p:nvPr/>
+        </p:nvSpPr>
+        <p:spPr>
+          <a:xfrm rot="20590802">
+            <a:off x="-2307493" y="518113"/>
+            <a:ext cx="8318212" cy="464397"/>
+          </a:xfrm>
+          <a:prstGeom prst="rect">
+            <a:avLst/>
+          </a:prstGeom>
+          <a:solidFill>
+            <a:schemeClr val="accent1"/>
+          </a:solidFill>
+        </p:spPr>
+        <p:txBody>
+          <a:bodyPr vert="horz" lIns="91440" tIns="45720" rIns="91440" bIns="45720" rtlCol="0" anchor="ctr">
+            <a:normAutofit fontScale="90000" lnSpcReduction="10000"/>
+          </a:bodyPr>
+          <a:lstStyle>
+            <a:lvl1pPr algn="ctr" defTabSz="914400" rtl="0" eaLnBrk="1" latinLnBrk="0" hangingPunct="1">
+              <a:spcBef>
+                <a:spcPct val="0"/>
+              </a:spcBef>
+              <a:buNone/>
+              <a:defRPr sz="4400" kern="1200">
+                <a:solidFill>
+                  <a:schemeClr val="tx1"/>
+                </a:solidFill>
+                <a:latin typeface="+mj-lt"/>
+                <a:ea typeface="+mj-ea"/>
+                <a:cs typeface="+mj-cs"/>
+              </a:defRPr>
+            </a:lvl1pPr>
+          </a:lstStyle>
+          <a:p>
+            <a:r>
+              <a:rPr lang="en-US" altLang="zh-CN" sz="3000" dirty="0" smtClean="0">
+                <a:solidFill>
+                  <a:schemeClr val="bg1"/>
+                </a:solidFill>
+                <a:latin typeface="Comic Sans MS" pitchFamily="66" charset="0"/>
+              </a:rPr>
+              <a:t>What should we do?</a:t>
+            </a:r>
+            <a:endParaRPr lang="zh-CN" altLang="en-US" sz="3000" dirty="0">
+              <a:solidFill>
+                <a:schemeClr val="bg1"/>
+              </a:solidFill>
+              <a:latin typeface="Comic Sans MS" pitchFamily="66" charset="0"/>
+            </a:endParaRPr>
+          </a:p>
+        </p:txBody>
+      </p:sp>
+      <p:sp>
+        <p:nvSpPr>
+          <p:cNvPr id="2" name="TextBox 1"/>
           <p:cNvSpPr txBox="1"/>
           <p:nvPr/>
         </p:nvSpPr>
         <p:spPr>
           <a:xfrm>
-            <a:off x="3851921" y="3140968"/>
-            <a:ext cx="1296144" cy="461665"/>
+            <a:off x="611560" y="2060848"/>
+            <a:ext cx="7579126" cy="3108543"/>
           </a:xfrm>
           <a:prstGeom prst="rect">
             <a:avLst/>
@@ -7969,30 +10979,135 @@
           <a:noFill/>
         </p:spPr>
         <p:txBody>
-          <a:bodyPr wrap="square" rtlCol="0">
+          <a:bodyPr wrap="none" rtlCol="0">
             <a:spAutoFit/>
           </a:bodyPr>
           <a:lstStyle/>
           <a:p>
-            <a:r>
-              <a:rPr lang="en-US" altLang="zh-CN" sz="2400" dirty="0" smtClean="0">
+            <a:pPr marL="514350" indent="-514350">
+              <a:buAutoNum type="arabicPeriod"/>
+            </a:pPr>
+            <a:r>
+              <a:rPr lang="en-US" altLang="zh-CN" sz="2800" dirty="0" smtClean="0">
                 <a:solidFill>
                   <a:schemeClr val="bg1"/>
                 </a:solidFill>
               </a:rPr>
-              <a:t>Thank </a:t>
-            </a:r>
-            <a:r>
-              <a:rPr lang="en-US" altLang="zh-CN" sz="2400" dirty="0" smtClean="0">
+              <a:t>significance of removing IE7 compatibility tags</a:t>
+            </a:r>
+          </a:p>
+          <a:p>
+            <a:pPr marL="971550" lvl="1" indent="-514350">
+              <a:buAutoNum type="arabicPeriod"/>
+            </a:pPr>
+            <a:r>
+              <a:rPr lang="en-US" altLang="zh-CN" sz="2800" dirty="0" smtClean="0">
+                <a:solidFill>
+                  <a:schemeClr val="bg1"/>
+                </a:solidFill>
+              </a:rPr>
+              <a:t>prevent modern browsers from being </a:t>
+            </a:r>
+            <a:r>
+              <a:rPr lang="en-US" altLang="zh-CN" sz="2800" dirty="0" smtClean="0">
                 <a:solidFill>
                   <a:srgbClr val="FFC000"/>
                 </a:solidFill>
               </a:rPr>
-              <a:t>U</a:t>
-            </a:r>
-            <a:endParaRPr lang="en-US" altLang="zh-CN" sz="2400" dirty="0">
+              <a:t>buggy</a:t>
+            </a:r>
+          </a:p>
+          <a:p>
+            <a:pPr marL="971550" lvl="1" indent="-514350">
+              <a:buAutoNum type="arabicPeriod"/>
+            </a:pPr>
+            <a:r>
+              <a:rPr lang="en-US" altLang="zh-CN" sz="2800" dirty="0" smtClean="0">
+                <a:solidFill>
+                  <a:schemeClr val="bg1"/>
+                </a:solidFill>
+              </a:rPr>
+              <a:t>use new </a:t>
+            </a:r>
+            <a:r>
+              <a:rPr lang="en-US" altLang="zh-CN" sz="2800" dirty="0" smtClean="0">
+                <a:solidFill>
+                  <a:srgbClr val="FFC000"/>
+                </a:solidFill>
+              </a:rPr>
+              <a:t>features</a:t>
+            </a:r>
+          </a:p>
+          <a:p>
+            <a:pPr marL="971550" lvl="1" indent="-514350">
+              <a:buAutoNum type="arabicPeriod"/>
+            </a:pPr>
+            <a:r>
+              <a:rPr lang="en-US" altLang="zh-CN" sz="2800" dirty="0" smtClean="0">
+                <a:solidFill>
+                  <a:schemeClr val="bg1"/>
+                </a:solidFill>
+              </a:rPr>
+              <a:t>enjoy high </a:t>
+            </a:r>
+            <a:r>
+              <a:rPr lang="en-US" altLang="zh-CN" sz="2800" dirty="0" smtClean="0">
+                <a:solidFill>
+                  <a:srgbClr val="FFC000"/>
+                </a:solidFill>
+              </a:rPr>
+              <a:t>performance</a:t>
+            </a:r>
+          </a:p>
+          <a:p>
+            <a:pPr marL="514350" indent="-514350">
+              <a:buAutoNum type="arabicPeriod"/>
+            </a:pPr>
+            <a:r>
+              <a:rPr lang="en-US" altLang="zh-CN" sz="2800" dirty="0" smtClean="0">
+                <a:solidFill>
+                  <a:schemeClr val="bg1"/>
+                </a:solidFill>
+              </a:rPr>
+              <a:t>for IE6/7 users, prevent circular references</a:t>
+            </a:r>
+          </a:p>
+          <a:p>
+            <a:pPr marL="971550" lvl="1" indent="-514350">
+              <a:buAutoNum type="arabicPeriod"/>
+            </a:pPr>
+            <a:r>
+              <a:rPr lang="en-US" altLang="zh-CN" sz="2800" dirty="0" smtClean="0">
+                <a:solidFill>
+                  <a:schemeClr val="bg1"/>
+                </a:solidFill>
+              </a:rPr>
+              <a:t>correctly dispose views before menu switch</a:t>
+            </a:r>
+          </a:p>
+          <a:p>
+            <a:pPr marL="971550" lvl="1" indent="-514350">
+              <a:buAutoNum type="arabicPeriod"/>
+            </a:pPr>
+            <a:r>
+              <a:rPr lang="en-US" altLang="zh-CN" sz="2800" dirty="0" smtClean="0">
+                <a:solidFill>
+                  <a:schemeClr val="bg1"/>
+                </a:solidFill>
+              </a:rPr>
+              <a:t>use </a:t>
+            </a:r>
+            <a:r>
+              <a:rPr lang="en-US" altLang="zh-CN" sz="2800" smtClean="0">
+                <a:solidFill>
+                  <a:schemeClr val="bg1"/>
+                </a:solidFill>
+              </a:rPr>
+              <a:t>event delegate</a:t>
+            </a:r>
+            <a:endParaRPr lang="en-US" altLang="zh-CN" sz="2800" dirty="0" smtClean="0">
               <a:solidFill>
-                <a:srgbClr val="FFC000"/>
+                <a:schemeClr val="bg1"/>
               </a:solidFill>
             </a:endParaRPr>
           </a:p>
@@ -8001,7 +11116,7 @@
     </p:spTree>
     <p:extLst>
       <p:ext uri="{BB962C8B-B14F-4D97-AF65-F5344CB8AC3E}">
-        <p14:creationId xmlns:p14="http://schemas.microsoft.com/office/powerpoint/2010/main" val="272096594"/>
+        <p14:creationId xmlns:p14="http://schemas.microsoft.com/office/powerpoint/2010/main" val="3954042337"/>
       </p:ext>
     </p:extLst>
   </p:cSld>
